--- a/PresumedPhysLEDlayout.pptx
+++ b/PresumedPhysLEDlayout.pptx
@@ -38879,7 +38879,7 @@
               <a:avLst/>
             </a:prstGeom>
             <a:solidFill>
-              <a:srgbClr val="FFFF00"/>
+              <a:schemeClr val="bg1"/>
             </a:solidFill>
           </p:spPr>
           <p:txBody>
@@ -39053,7 +39053,7 @@
               <a:avLst/>
             </a:prstGeom>
             <a:solidFill>
-              <a:srgbClr val="FFFF00"/>
+              <a:schemeClr val="bg1"/>
             </a:solidFill>
           </p:spPr>
           <p:txBody>
@@ -39461,7 +39461,7 @@
               <a:avLst/>
             </a:prstGeom>
             <a:solidFill>
-              <a:schemeClr val="bg1"/>
+              <a:srgbClr val="FFFF00"/>
             </a:solidFill>
           </p:spPr>
           <p:txBody>
@@ -39568,7 +39568,7 @@
               <a:avLst/>
             </a:prstGeom>
             <a:solidFill>
-              <a:schemeClr val="bg1"/>
+              <a:srgbClr val="FFFF00"/>
             </a:solidFill>
           </p:spPr>
           <p:txBody>
@@ -39668,17 +39668,24 @@
               <a:avLst/>
             </a:prstGeom>
             <a:solidFill>
-              <a:schemeClr val="bg1"/>
-            </a:solidFill>
-          </p:spPr>
-          <p:txBody>
-            <a:bodyPr wrap="none" rtlCol="0">
-              <a:spAutoFit/>
-            </a:bodyPr>
-            <a:lstStyle/>
-            <a:p>
-              <a:r>
-                <a:rPr lang="en-US" sz="2400" b="1" dirty="0"/>
+              <a:srgbClr val="FFFF00"/>
+            </a:solidFill>
+          </p:spPr>
+          <p:txBody>
+            <a:bodyPr wrap="none" rtlCol="0">
+              <a:spAutoFit/>
+            </a:bodyPr>
+            <a:lstStyle>
+              <a:defPPr>
+                <a:defRPr lang="en-US"/>
+              </a:defPPr>
+              <a:lvl1pPr>
+                <a:defRPr sz="2400" b="1"/>
+              </a:lvl1pPr>
+            </a:lstStyle>
+            <a:p>
+              <a:r>
+                <a:rPr lang="en-US" dirty="0"/>
                 <a:t>75</a:t>
               </a:r>
             </a:p>

--- a/PresumedPhysLEDlayout.pptx
+++ b/PresumedPhysLEDlayout.pptx
@@ -5,7 +5,7 @@
     <p:sldMasterId id="2147483648" r:id="rId1"/>
   </p:sldMasterIdLst>
   <p:notesMasterIdLst>
-    <p:notesMasterId r:id="rId18"/>
+    <p:notesMasterId r:id="rId19"/>
   </p:notesMasterIdLst>
   <p:sldIdLst>
     <p:sldId id="256" r:id="rId2"/>
@@ -24,6 +24,7 @@
     <p:sldId id="269" r:id="rId15"/>
     <p:sldId id="272" r:id="rId16"/>
     <p:sldId id="273" r:id="rId17"/>
+    <p:sldId id="278" r:id="rId18"/>
   </p:sldIdLst>
   <p:sldSz cx="12192000" cy="6858000"/>
   <p:notesSz cx="6858000" cy="9144000"/>
@@ -130,10 +131,6 @@
 </p:presentation>
 </file>
 
-<file path=ppt/revisionInfo.xml><?xml version="1.0" encoding="utf-8"?>
-<p1510:revInfo xmlns:a="http://schemas.openxmlformats.org/drawingml/2006/main" xmlns:r="http://schemas.openxmlformats.org/officeDocument/2006/relationships" xmlns:p1510="http://schemas.microsoft.com/office/powerpoint/2015/10/main"/>
-</file>
-
 <file path=ppt/notesMasters/notesMaster1.xml><?xml version="1.0" encoding="utf-8"?>
 <p:notesMaster xmlns:a="http://schemas.openxmlformats.org/drawingml/2006/main" xmlns:r="http://schemas.openxmlformats.org/officeDocument/2006/relationships" xmlns:p="http://schemas.openxmlformats.org/presentationml/2006/main">
   <p:cSld>
@@ -216,7 +213,7 @@
           <a:p>
             <a:fld id="{C21A9FA1-DB80-3E49-B37E-8B3CBCE23973}" type="datetimeFigureOut">
               <a:rPr lang="en-US" smtClean="0"/>
-              <a:t>1/13/2018</a:t>
+              <a:t>2/2/2018</a:t>
             </a:fld>
             <a:endParaRPr lang="en-US"/>
           </a:p>
@@ -612,7 +609,7 @@
           <a:p>
             <a:fld id="{299912C2-7BA9-6E4C-85E5-9F807E6BD8D7}" type="datetimeFigureOut">
               <a:rPr lang="en-US" smtClean="0"/>
-              <a:t>1/13/2018</a:t>
+              <a:t>2/2/2018</a:t>
             </a:fld>
             <a:endParaRPr lang="en-US"/>
           </a:p>
@@ -780,7 +777,7 @@
           <a:p>
             <a:fld id="{299912C2-7BA9-6E4C-85E5-9F807E6BD8D7}" type="datetimeFigureOut">
               <a:rPr lang="en-US" smtClean="0"/>
-              <a:t>1/13/2018</a:t>
+              <a:t>2/2/2018</a:t>
             </a:fld>
             <a:endParaRPr lang="en-US"/>
           </a:p>
@@ -958,7 +955,7 @@
           <a:p>
             <a:fld id="{299912C2-7BA9-6E4C-85E5-9F807E6BD8D7}" type="datetimeFigureOut">
               <a:rPr lang="en-US" smtClean="0"/>
-              <a:t>1/13/2018</a:t>
+              <a:t>2/2/2018</a:t>
             </a:fld>
             <a:endParaRPr lang="en-US"/>
           </a:p>
@@ -1126,7 +1123,7 @@
           <a:p>
             <a:fld id="{299912C2-7BA9-6E4C-85E5-9F807E6BD8D7}" type="datetimeFigureOut">
               <a:rPr lang="en-US" smtClean="0"/>
-              <a:t>1/13/2018</a:t>
+              <a:t>2/2/2018</a:t>
             </a:fld>
             <a:endParaRPr lang="en-US"/>
           </a:p>
@@ -1371,7 +1368,7 @@
           <a:p>
             <a:fld id="{299912C2-7BA9-6E4C-85E5-9F807E6BD8D7}" type="datetimeFigureOut">
               <a:rPr lang="en-US" smtClean="0"/>
-              <a:t>1/13/2018</a:t>
+              <a:t>2/2/2018</a:t>
             </a:fld>
             <a:endParaRPr lang="en-US"/>
           </a:p>
@@ -1600,7 +1597,7 @@
           <a:p>
             <a:fld id="{299912C2-7BA9-6E4C-85E5-9F807E6BD8D7}" type="datetimeFigureOut">
               <a:rPr lang="en-US" smtClean="0"/>
-              <a:t>1/13/2018</a:t>
+              <a:t>2/2/2018</a:t>
             </a:fld>
             <a:endParaRPr lang="en-US"/>
           </a:p>
@@ -1964,7 +1961,7 @@
           <a:p>
             <a:fld id="{299912C2-7BA9-6E4C-85E5-9F807E6BD8D7}" type="datetimeFigureOut">
               <a:rPr lang="en-US" smtClean="0"/>
-              <a:t>1/13/2018</a:t>
+              <a:t>2/2/2018</a:t>
             </a:fld>
             <a:endParaRPr lang="en-US"/>
           </a:p>
@@ -2081,7 +2078,7 @@
           <a:p>
             <a:fld id="{299912C2-7BA9-6E4C-85E5-9F807E6BD8D7}" type="datetimeFigureOut">
               <a:rPr lang="en-US" smtClean="0"/>
-              <a:t>1/13/2018</a:t>
+              <a:t>2/2/2018</a:t>
             </a:fld>
             <a:endParaRPr lang="en-US"/>
           </a:p>
@@ -2176,7 +2173,7 @@
           <a:p>
             <a:fld id="{299912C2-7BA9-6E4C-85E5-9F807E6BD8D7}" type="datetimeFigureOut">
               <a:rPr lang="en-US" smtClean="0"/>
-              <a:t>1/13/2018</a:t>
+              <a:t>2/2/2018</a:t>
             </a:fld>
             <a:endParaRPr lang="en-US"/>
           </a:p>
@@ -2451,7 +2448,7 @@
           <a:p>
             <a:fld id="{299912C2-7BA9-6E4C-85E5-9F807E6BD8D7}" type="datetimeFigureOut">
               <a:rPr lang="en-US" smtClean="0"/>
-              <a:t>1/13/2018</a:t>
+              <a:t>2/2/2018</a:t>
             </a:fld>
             <a:endParaRPr lang="en-US"/>
           </a:p>
@@ -2703,7 +2700,7 @@
           <a:p>
             <a:fld id="{299912C2-7BA9-6E4C-85E5-9F807E6BD8D7}" type="datetimeFigureOut">
               <a:rPr lang="en-US" smtClean="0"/>
-              <a:t>1/13/2018</a:t>
+              <a:t>2/2/2018</a:t>
             </a:fld>
             <a:endParaRPr lang="en-US"/>
           </a:p>
@@ -2914,7 +2911,7 @@
           <a:p>
             <a:fld id="{299912C2-7BA9-6E4C-85E5-9F807E6BD8D7}" type="datetimeFigureOut">
               <a:rPr lang="en-US" smtClean="0"/>
-              <a:t>1/13/2018</a:t>
+              <a:t>2/2/2018</a:t>
             </a:fld>
             <a:endParaRPr lang="en-US"/>
           </a:p>
@@ -25743,6 +25740,3297 @@
 </p:sld>
 </file>
 
+<file path=ppt/slides/slide17.xml><?xml version="1.0" encoding="utf-8"?>
+<p:sld xmlns:a="http://schemas.openxmlformats.org/drawingml/2006/main" xmlns:r="http://schemas.openxmlformats.org/officeDocument/2006/relationships" xmlns:p="http://schemas.openxmlformats.org/presentationml/2006/main">
+  <p:cSld>
+    <p:spTree>
+      <p:nvGrpSpPr>
+        <p:cNvPr id="1" name=""/>
+        <p:cNvGrpSpPr/>
+        <p:nvPr/>
+      </p:nvGrpSpPr>
+      <p:grpSpPr>
+        <a:xfrm>
+          <a:off x="0" y="0"/>
+          <a:ext cx="0" cy="0"/>
+          <a:chOff x="0" y="0"/>
+          <a:chExt cx="0" cy="0"/>
+        </a:xfrm>
+      </p:grpSpPr>
+      <p:grpSp>
+        <p:nvGrpSpPr>
+          <p:cNvPr id="2" name="Group 1"/>
+          <p:cNvGrpSpPr/>
+          <p:nvPr/>
+        </p:nvGrpSpPr>
+        <p:grpSpPr>
+          <a:xfrm>
+            <a:off x="878465" y="-1482581"/>
+            <a:ext cx="10435070" cy="9823161"/>
+            <a:chOff x="878465" y="-1482581"/>
+            <a:chExt cx="10435070" cy="9823161"/>
+          </a:xfrm>
+        </p:grpSpPr>
+        <p:pic>
+          <p:nvPicPr>
+            <p:cNvPr id="4" name="Picture 3" descr="https://images-na.ssl-images-amazon.com/images/I/71VYB7pCbqL._SL1001_.jpg">
+              <a:extLst>
+                <a:ext uri="{FF2B5EF4-FFF2-40B4-BE49-F238E27FC236}">
+                  <a16:creationId xmlns:a16="http://schemas.microsoft.com/office/drawing/2014/main" id="{D91B8009-EE17-4DCA-9BE4-25C1091AF4FE}"/>
+                </a:ext>
+              </a:extLst>
+            </p:cNvPr>
+            <p:cNvPicPr>
+              <a:picLocks noChangeAspect="1" noChangeArrowheads="1"/>
+            </p:cNvPicPr>
+            <p:nvPr/>
+          </p:nvPicPr>
+          <p:blipFill>
+            <a:blip r:embed="rId2">
+              <a:extLst>
+                <a:ext uri="{28A0092B-C50C-407E-A947-70E740481C1C}">
+                  <a14:useLocalDpi xmlns:a14="http://schemas.microsoft.com/office/drawing/2010/main" val="0"/>
+                </a:ext>
+              </a:extLst>
+            </a:blip>
+            <a:srcRect/>
+            <a:stretch>
+              <a:fillRect/>
+            </a:stretch>
+          </p:blipFill>
+          <p:spPr bwMode="auto">
+            <a:xfrm>
+              <a:off x="878465" y="-1482581"/>
+              <a:ext cx="10435070" cy="9823161"/>
+            </a:xfrm>
+            <a:prstGeom prst="rect">
+              <a:avLst/>
+            </a:prstGeom>
+            <a:noFill/>
+            <a:extLst>
+              <a:ext uri="{909E8E84-426E-40DD-AFC4-6F175D3DCCD1}">
+                <a14:hiddenFill xmlns:a14="http://schemas.microsoft.com/office/drawing/2010/main">
+                  <a:solidFill>
+                    <a:srgbClr val="FFFFFF"/>
+                  </a:solidFill>
+                </a14:hiddenFill>
+              </a:ext>
+            </a:extLst>
+          </p:spPr>
+        </p:pic>
+        <p:sp>
+          <p:nvSpPr>
+            <p:cNvPr id="5" name="TextBox 4"/>
+            <p:cNvSpPr txBox="1"/>
+            <p:nvPr/>
+          </p:nvSpPr>
+          <p:spPr>
+            <a:xfrm>
+              <a:off x="5755649" y="-1089764"/>
+              <a:ext cx="495649" cy="461665"/>
+            </a:xfrm>
+            <a:prstGeom prst="rect">
+              <a:avLst/>
+            </a:prstGeom>
+            <a:solidFill>
+              <a:srgbClr val="FFFF00"/>
+            </a:solidFill>
+          </p:spPr>
+          <p:txBody>
+            <a:bodyPr wrap="none" rtlCol="0">
+              <a:spAutoFit/>
+            </a:bodyPr>
+            <a:lstStyle>
+              <a:defPPr>
+                <a:defRPr lang="en-US"/>
+              </a:defPPr>
+              <a:lvl1pPr>
+                <a:defRPr sz="2400" b="1"/>
+              </a:lvl1pPr>
+            </a:lstStyle>
+            <a:p>
+              <a:r>
+                <a:rPr lang="en-US" dirty="0"/>
+                <a:t>00</a:t>
+              </a:r>
+            </a:p>
+          </p:txBody>
+        </p:sp>
+        <p:sp>
+          <p:nvSpPr>
+            <p:cNvPr id="6" name="TextBox 5"/>
+            <p:cNvSpPr txBox="1"/>
+            <p:nvPr/>
+          </p:nvSpPr>
+          <p:spPr>
+            <a:xfrm>
+              <a:off x="6689507" y="-1014608"/>
+              <a:ext cx="495649" cy="461665"/>
+            </a:xfrm>
+            <a:prstGeom prst="rect">
+              <a:avLst/>
+            </a:prstGeom>
+            <a:solidFill>
+              <a:schemeClr val="bg1"/>
+            </a:solidFill>
+          </p:spPr>
+          <p:txBody>
+            <a:bodyPr wrap="none" rtlCol="0">
+              <a:spAutoFit/>
+            </a:bodyPr>
+            <a:lstStyle/>
+            <a:p>
+              <a:r>
+                <a:rPr lang="en-US" sz="2400" b="1" dirty="0"/>
+                <a:t>01</a:t>
+              </a:r>
+            </a:p>
+          </p:txBody>
+        </p:sp>
+        <p:sp>
+          <p:nvSpPr>
+            <p:cNvPr id="7" name="TextBox 6"/>
+            <p:cNvSpPr txBox="1"/>
+            <p:nvPr/>
+          </p:nvSpPr>
+          <p:spPr>
+            <a:xfrm>
+              <a:off x="7530839" y="-746198"/>
+              <a:ext cx="495649" cy="461665"/>
+            </a:xfrm>
+            <a:prstGeom prst="rect">
+              <a:avLst/>
+            </a:prstGeom>
+            <a:solidFill>
+              <a:schemeClr val="bg1"/>
+            </a:solidFill>
+          </p:spPr>
+          <p:txBody>
+            <a:bodyPr wrap="none" rtlCol="0">
+              <a:spAutoFit/>
+            </a:bodyPr>
+            <a:lstStyle/>
+            <a:p>
+              <a:r>
+                <a:rPr lang="en-US" sz="2400" b="1" dirty="0"/>
+                <a:t>02</a:t>
+              </a:r>
+            </a:p>
+          </p:txBody>
+        </p:sp>
+        <p:sp>
+          <p:nvSpPr>
+            <p:cNvPr id="9" name="TextBox 8"/>
+            <p:cNvSpPr txBox="1"/>
+            <p:nvPr/>
+          </p:nvSpPr>
+          <p:spPr>
+            <a:xfrm>
+              <a:off x="4931687" y="-977031"/>
+              <a:ext cx="495649" cy="461665"/>
+            </a:xfrm>
+            <a:prstGeom prst="rect">
+              <a:avLst/>
+            </a:prstGeom>
+            <a:solidFill>
+              <a:schemeClr val="bg1"/>
+            </a:solidFill>
+          </p:spPr>
+          <p:txBody>
+            <a:bodyPr wrap="none" rtlCol="0">
+              <a:spAutoFit/>
+            </a:bodyPr>
+            <a:lstStyle/>
+            <a:p>
+              <a:r>
+                <a:rPr lang="en-US" sz="2400" b="1" dirty="0"/>
+                <a:t>31</a:t>
+              </a:r>
+            </a:p>
+          </p:txBody>
+        </p:sp>
+        <p:sp>
+          <p:nvSpPr>
+            <p:cNvPr id="10" name="TextBox 9"/>
+            <p:cNvSpPr txBox="1"/>
+            <p:nvPr/>
+          </p:nvSpPr>
+          <p:spPr>
+            <a:xfrm>
+              <a:off x="4103053" y="-710420"/>
+              <a:ext cx="495649" cy="461665"/>
+            </a:xfrm>
+            <a:prstGeom prst="rect">
+              <a:avLst/>
+            </a:prstGeom>
+            <a:solidFill>
+              <a:schemeClr val="bg1"/>
+            </a:solidFill>
+          </p:spPr>
+          <p:txBody>
+            <a:bodyPr wrap="none" rtlCol="0">
+              <a:spAutoFit/>
+            </a:bodyPr>
+            <a:lstStyle/>
+            <a:p>
+              <a:r>
+                <a:rPr lang="en-US" sz="2400" b="1"/>
+                <a:t>30</a:t>
+              </a:r>
+              <a:endParaRPr lang="en-US" sz="2400" b="1" dirty="0"/>
+            </a:p>
+          </p:txBody>
+        </p:sp>
+        <p:sp>
+          <p:nvSpPr>
+            <p:cNvPr id="11" name="TextBox 10"/>
+            <p:cNvSpPr txBox="1"/>
+            <p:nvPr/>
+          </p:nvSpPr>
+          <p:spPr>
+            <a:xfrm>
+              <a:off x="5755649" y="-230833"/>
+              <a:ext cx="495649" cy="461665"/>
+            </a:xfrm>
+            <a:prstGeom prst="rect">
+              <a:avLst/>
+            </a:prstGeom>
+            <a:solidFill>
+              <a:srgbClr val="FFFF00"/>
+            </a:solidFill>
+          </p:spPr>
+          <p:txBody>
+            <a:bodyPr wrap="none" rtlCol="0">
+              <a:spAutoFit/>
+            </a:bodyPr>
+            <a:lstStyle>
+              <a:defPPr>
+                <a:defRPr lang="en-US"/>
+              </a:defPPr>
+              <a:lvl1pPr>
+                <a:defRPr sz="2400" b="1"/>
+              </a:lvl1pPr>
+            </a:lstStyle>
+            <a:p>
+              <a:r>
+                <a:rPr lang="en-US" dirty="0"/>
+                <a:t>32</a:t>
+              </a:r>
+            </a:p>
+          </p:txBody>
+        </p:sp>
+        <p:sp>
+          <p:nvSpPr>
+            <p:cNvPr id="12" name="TextBox 11"/>
+            <p:cNvSpPr txBox="1"/>
+            <p:nvPr/>
+          </p:nvSpPr>
+          <p:spPr>
+            <a:xfrm>
+              <a:off x="4838833" y="-123174"/>
+              <a:ext cx="495649" cy="461665"/>
+            </a:xfrm>
+            <a:prstGeom prst="rect">
+              <a:avLst/>
+            </a:prstGeom>
+            <a:solidFill>
+              <a:schemeClr val="bg1"/>
+            </a:solidFill>
+          </p:spPr>
+          <p:txBody>
+            <a:bodyPr wrap="none" rtlCol="0">
+              <a:spAutoFit/>
+            </a:bodyPr>
+            <a:lstStyle>
+              <a:defPPr>
+                <a:defRPr lang="en-US"/>
+              </a:defPPr>
+              <a:lvl1pPr>
+                <a:defRPr sz="2400" b="1"/>
+              </a:lvl1pPr>
+            </a:lstStyle>
+            <a:p>
+              <a:r>
+                <a:rPr lang="en-US" dirty="0"/>
+                <a:t>55</a:t>
+              </a:r>
+            </a:p>
+          </p:txBody>
+        </p:sp>
+        <p:sp>
+          <p:nvSpPr>
+            <p:cNvPr id="13" name="TextBox 12"/>
+            <p:cNvSpPr txBox="1"/>
+            <p:nvPr/>
+          </p:nvSpPr>
+          <p:spPr>
+            <a:xfrm>
+              <a:off x="6735264" y="-123173"/>
+              <a:ext cx="495649" cy="461665"/>
+            </a:xfrm>
+            <a:prstGeom prst="rect">
+              <a:avLst/>
+            </a:prstGeom>
+            <a:solidFill>
+              <a:schemeClr val="bg1"/>
+            </a:solidFill>
+          </p:spPr>
+          <p:txBody>
+            <a:bodyPr wrap="none" rtlCol="0">
+              <a:spAutoFit/>
+            </a:bodyPr>
+            <a:lstStyle>
+              <a:defPPr>
+                <a:defRPr lang="en-US"/>
+              </a:defPPr>
+              <a:lvl1pPr>
+                <a:defRPr sz="2400" b="1"/>
+              </a:lvl1pPr>
+            </a:lstStyle>
+            <a:p>
+              <a:r>
+                <a:rPr lang="en-US" dirty="0"/>
+                <a:t>33</a:t>
+              </a:r>
+            </a:p>
+          </p:txBody>
+        </p:sp>
+        <p:sp>
+          <p:nvSpPr>
+            <p:cNvPr id="14" name="TextBox 13"/>
+            <p:cNvSpPr txBox="1"/>
+            <p:nvPr/>
+          </p:nvSpPr>
+          <p:spPr>
+            <a:xfrm>
+              <a:off x="7618215" y="202502"/>
+              <a:ext cx="495649" cy="461665"/>
+            </a:xfrm>
+            <a:prstGeom prst="rect">
+              <a:avLst/>
+            </a:prstGeom>
+            <a:solidFill>
+              <a:schemeClr val="bg1"/>
+            </a:solidFill>
+          </p:spPr>
+          <p:txBody>
+            <a:bodyPr wrap="none" rtlCol="0">
+              <a:spAutoFit/>
+            </a:bodyPr>
+            <a:lstStyle/>
+            <a:p>
+              <a:r>
+                <a:rPr lang="en-US" sz="2400" b="1" dirty="0"/>
+                <a:t>34</a:t>
+              </a:r>
+            </a:p>
+          </p:txBody>
+        </p:sp>
+        <p:sp>
+          <p:nvSpPr>
+            <p:cNvPr id="15" name="TextBox 14"/>
+            <p:cNvSpPr txBox="1"/>
+            <p:nvPr/>
+          </p:nvSpPr>
+          <p:spPr>
+            <a:xfrm>
+              <a:off x="3984500" y="198906"/>
+              <a:ext cx="495649" cy="461665"/>
+            </a:xfrm>
+            <a:prstGeom prst="rect">
+              <a:avLst/>
+            </a:prstGeom>
+            <a:solidFill>
+              <a:schemeClr val="bg1"/>
+            </a:solidFill>
+          </p:spPr>
+          <p:txBody>
+            <a:bodyPr wrap="none" rtlCol="0">
+              <a:spAutoFit/>
+            </a:bodyPr>
+            <a:lstStyle/>
+            <a:p>
+              <a:r>
+                <a:rPr lang="en-US" sz="2400" b="1" dirty="0"/>
+                <a:t>54</a:t>
+              </a:r>
+            </a:p>
+          </p:txBody>
+        </p:sp>
+        <p:sp>
+          <p:nvSpPr>
+            <p:cNvPr id="16" name="TextBox 15"/>
+            <p:cNvSpPr txBox="1"/>
+            <p:nvPr/>
+          </p:nvSpPr>
+          <p:spPr>
+            <a:xfrm>
+              <a:off x="5755649" y="533512"/>
+              <a:ext cx="495649" cy="461665"/>
+            </a:xfrm>
+            <a:prstGeom prst="rect">
+              <a:avLst/>
+            </a:prstGeom>
+            <a:solidFill>
+              <a:schemeClr val="bg1"/>
+            </a:solidFill>
+          </p:spPr>
+          <p:txBody>
+            <a:bodyPr wrap="none" rtlCol="0">
+              <a:spAutoFit/>
+            </a:bodyPr>
+            <a:lstStyle/>
+            <a:p>
+              <a:r>
+                <a:rPr lang="en-US" sz="2400" b="1" dirty="0"/>
+                <a:t>56</a:t>
+              </a:r>
+            </a:p>
+          </p:txBody>
+        </p:sp>
+        <p:sp>
+          <p:nvSpPr>
+            <p:cNvPr id="17" name="TextBox 16"/>
+            <p:cNvSpPr txBox="1"/>
+            <p:nvPr/>
+          </p:nvSpPr>
+          <p:spPr>
+            <a:xfrm>
+              <a:off x="6837731" y="764344"/>
+              <a:ext cx="495649" cy="461665"/>
+            </a:xfrm>
+            <a:prstGeom prst="rect">
+              <a:avLst/>
+            </a:prstGeom>
+            <a:solidFill>
+              <a:srgbClr val="FFFF00"/>
+            </a:solidFill>
+          </p:spPr>
+          <p:txBody>
+            <a:bodyPr wrap="none" rtlCol="0">
+              <a:spAutoFit/>
+            </a:bodyPr>
+            <a:lstStyle>
+              <a:defPPr>
+                <a:defRPr lang="en-US"/>
+              </a:defPPr>
+              <a:lvl1pPr>
+                <a:defRPr sz="2400" b="1"/>
+              </a:lvl1pPr>
+            </a:lstStyle>
+            <a:p>
+              <a:r>
+                <a:rPr lang="en-US" dirty="0"/>
+                <a:t>57</a:t>
+              </a:r>
+            </a:p>
+          </p:txBody>
+        </p:sp>
+        <p:sp>
+          <p:nvSpPr>
+            <p:cNvPr id="18" name="TextBox 17"/>
+            <p:cNvSpPr txBox="1"/>
+            <p:nvPr/>
+          </p:nvSpPr>
+          <p:spPr>
+            <a:xfrm>
+              <a:off x="7778663" y="1334321"/>
+              <a:ext cx="495649" cy="461665"/>
+            </a:xfrm>
+            <a:prstGeom prst="rect">
+              <a:avLst/>
+            </a:prstGeom>
+            <a:solidFill>
+              <a:srgbClr val="FFFF00"/>
+            </a:solidFill>
+          </p:spPr>
+          <p:txBody>
+            <a:bodyPr wrap="none" rtlCol="0">
+              <a:spAutoFit/>
+            </a:bodyPr>
+            <a:lstStyle>
+              <a:defPPr>
+                <a:defRPr lang="en-US"/>
+              </a:defPPr>
+              <a:lvl1pPr>
+                <a:defRPr sz="2400" b="1"/>
+              </a:lvl1pPr>
+            </a:lstStyle>
+            <a:p>
+              <a:r>
+                <a:rPr lang="en-US" dirty="0"/>
+                <a:t>58</a:t>
+              </a:r>
+            </a:p>
+          </p:txBody>
+        </p:sp>
+        <p:sp>
+          <p:nvSpPr>
+            <p:cNvPr id="19" name="TextBox 18"/>
+            <p:cNvSpPr txBox="1"/>
+            <p:nvPr/>
+          </p:nvSpPr>
+          <p:spPr>
+            <a:xfrm>
+              <a:off x="4725006" y="764343"/>
+              <a:ext cx="495649" cy="461665"/>
+            </a:xfrm>
+            <a:prstGeom prst="rect">
+              <a:avLst/>
+            </a:prstGeom>
+            <a:solidFill>
+              <a:srgbClr val="FFFF00"/>
+            </a:solidFill>
+          </p:spPr>
+          <p:txBody>
+            <a:bodyPr wrap="none" rtlCol="0">
+              <a:spAutoFit/>
+            </a:bodyPr>
+            <a:lstStyle>
+              <a:defPPr>
+                <a:defRPr lang="en-US"/>
+              </a:defPPr>
+              <a:lvl1pPr>
+                <a:defRPr sz="2400" b="1"/>
+              </a:lvl1pPr>
+            </a:lstStyle>
+            <a:p>
+              <a:r>
+                <a:rPr lang="en-US" dirty="0"/>
+                <a:t>71</a:t>
+              </a:r>
+            </a:p>
+          </p:txBody>
+        </p:sp>
+        <p:sp>
+          <p:nvSpPr>
+            <p:cNvPr id="20" name="TextBox 19"/>
+            <p:cNvSpPr txBox="1"/>
+            <p:nvPr/>
+          </p:nvSpPr>
+          <p:spPr>
+            <a:xfrm>
+              <a:off x="3832915" y="1296742"/>
+              <a:ext cx="495649" cy="461665"/>
+            </a:xfrm>
+            <a:prstGeom prst="rect">
+              <a:avLst/>
+            </a:prstGeom>
+            <a:solidFill>
+              <a:srgbClr val="FFFF00"/>
+            </a:solidFill>
+          </p:spPr>
+          <p:txBody>
+            <a:bodyPr wrap="none" rtlCol="0">
+              <a:spAutoFit/>
+            </a:bodyPr>
+            <a:lstStyle>
+              <a:defPPr>
+                <a:defRPr lang="en-US"/>
+              </a:defPPr>
+              <a:lvl1pPr>
+                <a:defRPr sz="2400" b="1"/>
+              </a:lvl1pPr>
+            </a:lstStyle>
+            <a:p>
+              <a:r>
+                <a:rPr lang="en-US" dirty="0"/>
+                <a:t>70</a:t>
+              </a:r>
+            </a:p>
+          </p:txBody>
+        </p:sp>
+        <p:sp>
+          <p:nvSpPr>
+            <p:cNvPr id="21" name="TextBox 20"/>
+            <p:cNvSpPr txBox="1"/>
+            <p:nvPr/>
+          </p:nvSpPr>
+          <p:spPr>
+            <a:xfrm>
+              <a:off x="5755649" y="1392443"/>
+              <a:ext cx="495649" cy="461665"/>
+            </a:xfrm>
+            <a:prstGeom prst="rect">
+              <a:avLst/>
+            </a:prstGeom>
+            <a:solidFill>
+              <a:schemeClr val="bg1"/>
+            </a:solidFill>
+          </p:spPr>
+          <p:txBody>
+            <a:bodyPr wrap="none" rtlCol="0">
+              <a:spAutoFit/>
+            </a:bodyPr>
+            <a:lstStyle/>
+            <a:p>
+              <a:r>
+                <a:rPr lang="en-US" sz="2400" b="1" dirty="0"/>
+                <a:t>72</a:t>
+              </a:r>
+            </a:p>
+          </p:txBody>
+        </p:sp>
+        <p:sp>
+          <p:nvSpPr>
+            <p:cNvPr id="22" name="TextBox 21"/>
+            <p:cNvSpPr txBox="1"/>
+            <p:nvPr/>
+          </p:nvSpPr>
+          <p:spPr>
+            <a:xfrm>
+              <a:off x="6689506" y="1614283"/>
+              <a:ext cx="495649" cy="461665"/>
+            </a:xfrm>
+            <a:prstGeom prst="rect">
+              <a:avLst/>
+            </a:prstGeom>
+            <a:solidFill>
+              <a:schemeClr val="bg1"/>
+            </a:solidFill>
+          </p:spPr>
+          <p:txBody>
+            <a:bodyPr wrap="none" rtlCol="0">
+              <a:spAutoFit/>
+            </a:bodyPr>
+            <a:lstStyle/>
+            <a:p>
+              <a:r>
+                <a:rPr lang="en-US" sz="2400" b="1" dirty="0"/>
+                <a:t>73</a:t>
+              </a:r>
+            </a:p>
+          </p:txBody>
+        </p:sp>
+        <p:sp>
+          <p:nvSpPr>
+            <p:cNvPr id="23" name="TextBox 22"/>
+            <p:cNvSpPr txBox="1"/>
+            <p:nvPr/>
+          </p:nvSpPr>
+          <p:spPr>
+            <a:xfrm>
+              <a:off x="7454077" y="2297603"/>
+              <a:ext cx="495649" cy="461665"/>
+            </a:xfrm>
+            <a:prstGeom prst="rect">
+              <a:avLst/>
+            </a:prstGeom>
+            <a:solidFill>
+              <a:schemeClr val="bg1"/>
+            </a:solidFill>
+          </p:spPr>
+          <p:txBody>
+            <a:bodyPr wrap="none" rtlCol="0">
+              <a:spAutoFit/>
+            </a:bodyPr>
+            <a:lstStyle/>
+            <a:p>
+              <a:r>
+                <a:rPr lang="en-US" sz="2400" b="1" dirty="0"/>
+                <a:t>74</a:t>
+              </a:r>
+            </a:p>
+          </p:txBody>
+        </p:sp>
+        <p:sp>
+          <p:nvSpPr>
+            <p:cNvPr id="24" name="TextBox 23"/>
+            <p:cNvSpPr txBox="1"/>
+            <p:nvPr/>
+          </p:nvSpPr>
+          <p:spPr>
+            <a:xfrm>
+              <a:off x="4838833" y="1584240"/>
+              <a:ext cx="495649" cy="461665"/>
+            </a:xfrm>
+            <a:prstGeom prst="rect">
+              <a:avLst/>
+            </a:prstGeom>
+            <a:solidFill>
+              <a:schemeClr val="bg1"/>
+            </a:solidFill>
+          </p:spPr>
+          <p:txBody>
+            <a:bodyPr wrap="none" rtlCol="0">
+              <a:spAutoFit/>
+            </a:bodyPr>
+            <a:lstStyle/>
+            <a:p>
+              <a:r>
+                <a:rPr lang="en-US" sz="2400" b="1" dirty="0"/>
+                <a:t>83</a:t>
+              </a:r>
+            </a:p>
+          </p:txBody>
+        </p:sp>
+        <p:sp>
+          <p:nvSpPr>
+            <p:cNvPr id="25" name="TextBox 24"/>
+            <p:cNvSpPr txBox="1"/>
+            <p:nvPr/>
+          </p:nvSpPr>
+          <p:spPr>
+            <a:xfrm>
+              <a:off x="4103053" y="2297602"/>
+              <a:ext cx="495649" cy="461665"/>
+            </a:xfrm>
+            <a:prstGeom prst="rect">
+              <a:avLst/>
+            </a:prstGeom>
+            <a:solidFill>
+              <a:schemeClr val="bg1"/>
+            </a:solidFill>
+          </p:spPr>
+          <p:txBody>
+            <a:bodyPr wrap="none" rtlCol="0">
+              <a:spAutoFit/>
+            </a:bodyPr>
+            <a:lstStyle/>
+            <a:p>
+              <a:r>
+                <a:rPr lang="en-US" sz="2400" b="1" dirty="0"/>
+                <a:t>82</a:t>
+              </a:r>
+            </a:p>
+          </p:txBody>
+        </p:sp>
+        <p:sp>
+          <p:nvSpPr>
+            <p:cNvPr id="26" name="TextBox 25"/>
+            <p:cNvSpPr txBox="1"/>
+            <p:nvPr/>
+          </p:nvSpPr>
+          <p:spPr>
+            <a:xfrm>
+              <a:off x="5755649" y="2156788"/>
+              <a:ext cx="495649" cy="461665"/>
+            </a:xfrm>
+            <a:prstGeom prst="rect">
+              <a:avLst/>
+            </a:prstGeom>
+            <a:solidFill>
+              <a:srgbClr val="FFFF00"/>
+            </a:solidFill>
+          </p:spPr>
+          <p:txBody>
+            <a:bodyPr wrap="none" rtlCol="0">
+              <a:spAutoFit/>
+            </a:bodyPr>
+            <a:lstStyle>
+              <a:defPPr>
+                <a:defRPr lang="en-US"/>
+              </a:defPPr>
+              <a:lvl1pPr>
+                <a:defRPr sz="2400" b="1"/>
+              </a:lvl1pPr>
+            </a:lstStyle>
+            <a:p>
+              <a:r>
+                <a:rPr lang="en-US" dirty="0"/>
+                <a:t>84</a:t>
+              </a:r>
+            </a:p>
+          </p:txBody>
+        </p:sp>
+        <p:sp>
+          <p:nvSpPr>
+            <p:cNvPr id="27" name="TextBox 26"/>
+            <p:cNvSpPr txBox="1"/>
+            <p:nvPr/>
+          </p:nvSpPr>
+          <p:spPr>
+            <a:xfrm>
+              <a:off x="6552328" y="2478843"/>
+              <a:ext cx="495649" cy="461665"/>
+            </a:xfrm>
+            <a:prstGeom prst="rect">
+              <a:avLst/>
+            </a:prstGeom>
+            <a:solidFill>
+              <a:srgbClr val="FFFF00"/>
+            </a:solidFill>
+          </p:spPr>
+          <p:txBody>
+            <a:bodyPr wrap="none" rtlCol="0">
+              <a:spAutoFit/>
+            </a:bodyPr>
+            <a:lstStyle>
+              <a:defPPr>
+                <a:defRPr lang="en-US"/>
+              </a:defPPr>
+              <a:lvl1pPr>
+                <a:defRPr sz="2400" b="1"/>
+              </a:lvl1pPr>
+            </a:lstStyle>
+            <a:p>
+              <a:r>
+                <a:rPr lang="en-US" dirty="0"/>
+                <a:t>85</a:t>
+              </a:r>
+            </a:p>
+          </p:txBody>
+        </p:sp>
+        <p:sp>
+          <p:nvSpPr>
+            <p:cNvPr id="28" name="TextBox 27"/>
+            <p:cNvSpPr txBox="1"/>
+            <p:nvPr/>
+          </p:nvSpPr>
+          <p:spPr>
+            <a:xfrm>
+              <a:off x="5068703" y="2453791"/>
+              <a:ext cx="495649" cy="461665"/>
+            </a:xfrm>
+            <a:prstGeom prst="rect">
+              <a:avLst/>
+            </a:prstGeom>
+            <a:solidFill>
+              <a:srgbClr val="FFFF00"/>
+            </a:solidFill>
+          </p:spPr>
+          <p:txBody>
+            <a:bodyPr wrap="none" rtlCol="0">
+              <a:spAutoFit/>
+            </a:bodyPr>
+            <a:lstStyle>
+              <a:defPPr>
+                <a:defRPr lang="en-US"/>
+              </a:defPPr>
+              <a:lvl1pPr>
+                <a:defRPr sz="2400" b="1"/>
+              </a:lvl1pPr>
+            </a:lstStyle>
+            <a:p>
+              <a:r>
+                <a:rPr lang="en-US" dirty="0"/>
+                <a:t>91</a:t>
+              </a:r>
+            </a:p>
+          </p:txBody>
+        </p:sp>
+        <p:sp>
+          <p:nvSpPr>
+            <p:cNvPr id="29" name="TextBox 28"/>
+            <p:cNvSpPr txBox="1"/>
+            <p:nvPr/>
+          </p:nvSpPr>
+          <p:spPr>
+            <a:xfrm>
+              <a:off x="5755649" y="3168584"/>
+              <a:ext cx="495649" cy="461665"/>
+            </a:xfrm>
+            <a:prstGeom prst="rect">
+              <a:avLst/>
+            </a:prstGeom>
+            <a:solidFill>
+              <a:srgbClr val="FFFF00"/>
+            </a:solidFill>
+          </p:spPr>
+          <p:txBody>
+            <a:bodyPr wrap="none" rtlCol="0">
+              <a:spAutoFit/>
+            </a:bodyPr>
+            <a:lstStyle>
+              <a:defPPr>
+                <a:defRPr lang="en-US"/>
+              </a:defPPr>
+              <a:lvl1pPr>
+                <a:defRPr sz="2400" b="1"/>
+              </a:lvl1pPr>
+            </a:lstStyle>
+            <a:p>
+              <a:r>
+                <a:rPr lang="en-US" dirty="0"/>
+                <a:t>92</a:t>
+              </a:r>
+            </a:p>
+          </p:txBody>
+        </p:sp>
+        <p:sp>
+          <p:nvSpPr>
+            <p:cNvPr id="30" name="TextBox 29"/>
+            <p:cNvSpPr txBox="1"/>
+            <p:nvPr/>
+          </p:nvSpPr>
+          <p:spPr>
+            <a:xfrm>
+              <a:off x="8255994" y="-322111"/>
+              <a:ext cx="495649" cy="461665"/>
+            </a:xfrm>
+            <a:prstGeom prst="rect">
+              <a:avLst/>
+            </a:prstGeom>
+            <a:solidFill>
+              <a:schemeClr val="bg1"/>
+            </a:solidFill>
+          </p:spPr>
+          <p:txBody>
+            <a:bodyPr wrap="none" rtlCol="0">
+              <a:spAutoFit/>
+            </a:bodyPr>
+            <a:lstStyle/>
+            <a:p>
+              <a:r>
+                <a:rPr lang="en-US" sz="2400" b="1"/>
+                <a:t>03</a:t>
+              </a:r>
+              <a:endParaRPr lang="en-US" sz="2400" b="1" dirty="0"/>
+            </a:p>
+          </p:txBody>
+        </p:sp>
+        <p:sp>
+          <p:nvSpPr>
+            <p:cNvPr id="31" name="TextBox 30"/>
+            <p:cNvSpPr txBox="1"/>
+            <p:nvPr/>
+          </p:nvSpPr>
+          <p:spPr>
+            <a:xfrm>
+              <a:off x="8971283" y="186379"/>
+              <a:ext cx="495649" cy="461665"/>
+            </a:xfrm>
+            <a:prstGeom prst="rect">
+              <a:avLst/>
+            </a:prstGeom>
+            <a:solidFill>
+              <a:schemeClr val="bg1"/>
+            </a:solidFill>
+          </p:spPr>
+          <p:txBody>
+            <a:bodyPr wrap="none" rtlCol="0">
+              <a:spAutoFit/>
+            </a:bodyPr>
+            <a:lstStyle/>
+            <a:p>
+              <a:r>
+                <a:rPr lang="en-US" sz="2400" b="1" dirty="0"/>
+                <a:t>04</a:t>
+              </a:r>
+            </a:p>
+          </p:txBody>
+        </p:sp>
+        <p:sp>
+          <p:nvSpPr>
+            <p:cNvPr id="32" name="TextBox 31"/>
+            <p:cNvSpPr txBox="1"/>
+            <p:nvPr/>
+          </p:nvSpPr>
+          <p:spPr>
+            <a:xfrm>
+              <a:off x="9518812" y="835077"/>
+              <a:ext cx="495649" cy="461665"/>
+            </a:xfrm>
+            <a:prstGeom prst="rect">
+              <a:avLst/>
+            </a:prstGeom>
+            <a:solidFill>
+              <a:schemeClr val="bg1"/>
+            </a:solidFill>
+          </p:spPr>
+          <p:txBody>
+            <a:bodyPr wrap="none" rtlCol="0">
+              <a:spAutoFit/>
+            </a:bodyPr>
+            <a:lstStyle/>
+            <a:p>
+              <a:r>
+                <a:rPr lang="en-US" sz="2400" b="1" dirty="0"/>
+                <a:t>05</a:t>
+              </a:r>
+            </a:p>
+          </p:txBody>
+        </p:sp>
+        <p:sp>
+          <p:nvSpPr>
+            <p:cNvPr id="33" name="TextBox 32"/>
+            <p:cNvSpPr txBox="1"/>
+            <p:nvPr/>
+          </p:nvSpPr>
+          <p:spPr>
+            <a:xfrm>
+              <a:off x="9964357" y="1571714"/>
+              <a:ext cx="495649" cy="461665"/>
+            </a:xfrm>
+            <a:prstGeom prst="rect">
+              <a:avLst/>
+            </a:prstGeom>
+            <a:solidFill>
+              <a:schemeClr val="bg1"/>
+            </a:solidFill>
+          </p:spPr>
+          <p:txBody>
+            <a:bodyPr wrap="none" rtlCol="0">
+              <a:spAutoFit/>
+            </a:bodyPr>
+            <a:lstStyle/>
+            <a:p>
+              <a:r>
+                <a:rPr lang="en-US" sz="2400" b="1" dirty="0"/>
+                <a:t>06</a:t>
+              </a:r>
+            </a:p>
+          </p:txBody>
+        </p:sp>
+        <p:sp>
+          <p:nvSpPr>
+            <p:cNvPr id="34" name="TextBox 33"/>
+            <p:cNvSpPr txBox="1"/>
+            <p:nvPr/>
+          </p:nvSpPr>
+          <p:spPr>
+            <a:xfrm>
+              <a:off x="10233381" y="2389386"/>
+              <a:ext cx="495649" cy="461665"/>
+            </a:xfrm>
+            <a:prstGeom prst="rect">
+              <a:avLst/>
+            </a:prstGeom>
+            <a:solidFill>
+              <a:srgbClr val="FFFF00"/>
+            </a:solidFill>
+          </p:spPr>
+          <p:txBody>
+            <a:bodyPr wrap="none" rtlCol="0">
+              <a:spAutoFit/>
+            </a:bodyPr>
+            <a:lstStyle>
+              <a:defPPr>
+                <a:defRPr lang="en-US"/>
+              </a:defPPr>
+              <a:lvl1pPr>
+                <a:defRPr sz="2400" b="1"/>
+              </a:lvl1pPr>
+            </a:lstStyle>
+            <a:p>
+              <a:r>
+                <a:rPr lang="en-US" dirty="0"/>
+                <a:t>07</a:t>
+              </a:r>
+            </a:p>
+          </p:txBody>
+        </p:sp>
+        <p:sp>
+          <p:nvSpPr>
+            <p:cNvPr id="35" name="TextBox 34"/>
+            <p:cNvSpPr txBox="1"/>
+            <p:nvPr/>
+          </p:nvSpPr>
+          <p:spPr>
+            <a:xfrm>
+              <a:off x="8364345" y="789395"/>
+              <a:ext cx="495649" cy="461665"/>
+            </a:xfrm>
+            <a:prstGeom prst="rect">
+              <a:avLst/>
+            </a:prstGeom>
+            <a:solidFill>
+              <a:schemeClr val="bg1"/>
+            </a:solidFill>
+          </p:spPr>
+          <p:txBody>
+            <a:bodyPr wrap="none" rtlCol="0">
+              <a:spAutoFit/>
+            </a:bodyPr>
+            <a:lstStyle/>
+            <a:p>
+              <a:r>
+                <a:rPr lang="en-US" sz="2400" b="1" dirty="0"/>
+                <a:t>35</a:t>
+              </a:r>
+            </a:p>
+          </p:txBody>
+        </p:sp>
+        <p:sp>
+          <p:nvSpPr>
+            <p:cNvPr id="36" name="TextBox 35"/>
+            <p:cNvSpPr txBox="1"/>
+            <p:nvPr/>
+          </p:nvSpPr>
+          <p:spPr>
+            <a:xfrm>
+              <a:off x="8957277" y="1465232"/>
+              <a:ext cx="495649" cy="461665"/>
+            </a:xfrm>
+            <a:prstGeom prst="rect">
+              <a:avLst/>
+            </a:prstGeom>
+            <a:solidFill>
+              <a:schemeClr val="bg1"/>
+            </a:solidFill>
+          </p:spPr>
+          <p:txBody>
+            <a:bodyPr wrap="none" rtlCol="0">
+              <a:spAutoFit/>
+            </a:bodyPr>
+            <a:lstStyle/>
+            <a:p>
+              <a:r>
+                <a:rPr lang="en-US" sz="2400" b="1" dirty="0"/>
+                <a:t>36</a:t>
+              </a:r>
+            </a:p>
+          </p:txBody>
+        </p:sp>
+        <p:sp>
+          <p:nvSpPr>
+            <p:cNvPr id="37" name="TextBox 36"/>
+            <p:cNvSpPr txBox="1"/>
+            <p:nvPr/>
+          </p:nvSpPr>
+          <p:spPr>
+            <a:xfrm>
+              <a:off x="9305100" y="2358084"/>
+              <a:ext cx="495649" cy="461665"/>
+            </a:xfrm>
+            <a:prstGeom prst="rect">
+              <a:avLst/>
+            </a:prstGeom>
+            <a:solidFill>
+              <a:srgbClr val="FFFF00"/>
+            </a:solidFill>
+          </p:spPr>
+          <p:txBody>
+            <a:bodyPr wrap="none" rtlCol="0">
+              <a:spAutoFit/>
+            </a:bodyPr>
+            <a:lstStyle>
+              <a:defPPr>
+                <a:defRPr lang="en-US"/>
+              </a:defPPr>
+              <a:lvl1pPr>
+                <a:defRPr sz="2400" b="1"/>
+              </a:lvl1pPr>
+            </a:lstStyle>
+            <a:p>
+              <a:r>
+                <a:rPr lang="en-US" dirty="0"/>
+                <a:t>37</a:t>
+              </a:r>
+            </a:p>
+          </p:txBody>
+        </p:sp>
+        <p:sp>
+          <p:nvSpPr>
+            <p:cNvPr id="38" name="TextBox 37"/>
+            <p:cNvSpPr txBox="1"/>
+            <p:nvPr/>
+          </p:nvSpPr>
+          <p:spPr>
+            <a:xfrm>
+              <a:off x="8345311" y="2186293"/>
+              <a:ext cx="495649" cy="461665"/>
+            </a:xfrm>
+            <a:prstGeom prst="rect">
+              <a:avLst/>
+            </a:prstGeom>
+            <a:solidFill>
+              <a:srgbClr val="FFFF00"/>
+            </a:solidFill>
+          </p:spPr>
+          <p:txBody>
+            <a:bodyPr wrap="none" rtlCol="0">
+              <a:spAutoFit/>
+            </a:bodyPr>
+            <a:lstStyle>
+              <a:defPPr>
+                <a:defRPr lang="en-US"/>
+              </a:defPPr>
+              <a:lvl1pPr>
+                <a:defRPr sz="2400" b="1"/>
+              </a:lvl1pPr>
+            </a:lstStyle>
+            <a:p>
+              <a:r>
+                <a:rPr lang="en-US" dirty="0"/>
+                <a:t>59</a:t>
+              </a:r>
+            </a:p>
+          </p:txBody>
+        </p:sp>
+        <p:sp>
+          <p:nvSpPr>
+            <p:cNvPr id="39" name="TextBox 38"/>
+            <p:cNvSpPr txBox="1"/>
+            <p:nvPr/>
+          </p:nvSpPr>
+          <p:spPr>
+            <a:xfrm>
+              <a:off x="9426394" y="3168584"/>
+              <a:ext cx="495649" cy="461665"/>
+            </a:xfrm>
+            <a:prstGeom prst="rect">
+              <a:avLst/>
+            </a:prstGeom>
+            <a:solidFill>
+              <a:schemeClr val="bg1"/>
+            </a:solidFill>
+          </p:spPr>
+          <p:txBody>
+            <a:bodyPr wrap="none" rtlCol="0">
+              <a:spAutoFit/>
+            </a:bodyPr>
+            <a:lstStyle>
+              <a:defPPr>
+                <a:defRPr lang="en-US"/>
+              </a:defPPr>
+              <a:lvl1pPr>
+                <a:defRPr sz="2400" b="1"/>
+              </a:lvl1pPr>
+            </a:lstStyle>
+            <a:p>
+              <a:r>
+                <a:rPr lang="en-US" dirty="0"/>
+                <a:t>38</a:t>
+              </a:r>
+            </a:p>
+          </p:txBody>
+        </p:sp>
+        <p:sp>
+          <p:nvSpPr>
+            <p:cNvPr id="40" name="TextBox 39"/>
+            <p:cNvSpPr txBox="1"/>
+            <p:nvPr/>
+          </p:nvSpPr>
+          <p:spPr>
+            <a:xfrm>
+              <a:off x="8563648" y="3168584"/>
+              <a:ext cx="495649" cy="461665"/>
+            </a:xfrm>
+            <a:prstGeom prst="rect">
+              <a:avLst/>
+            </a:prstGeom>
+            <a:solidFill>
+              <a:srgbClr val="FFFF00"/>
+            </a:solidFill>
+          </p:spPr>
+          <p:txBody>
+            <a:bodyPr wrap="none" rtlCol="0">
+              <a:spAutoFit/>
+            </a:bodyPr>
+            <a:lstStyle>
+              <a:defPPr>
+                <a:defRPr lang="en-US"/>
+              </a:defPPr>
+              <a:lvl1pPr>
+                <a:defRPr sz="2400" b="1"/>
+              </a:lvl1pPr>
+            </a:lstStyle>
+            <a:p>
+              <a:r>
+                <a:rPr lang="en-US" dirty="0"/>
+                <a:t>60</a:t>
+              </a:r>
+            </a:p>
+          </p:txBody>
+        </p:sp>
+        <p:sp>
+          <p:nvSpPr>
+            <p:cNvPr id="41" name="TextBox 40"/>
+            <p:cNvSpPr txBox="1"/>
+            <p:nvPr/>
+          </p:nvSpPr>
+          <p:spPr>
+            <a:xfrm>
+              <a:off x="7700902" y="3168584"/>
+              <a:ext cx="495649" cy="461665"/>
+            </a:xfrm>
+            <a:prstGeom prst="rect">
+              <a:avLst/>
+            </a:prstGeom>
+            <a:solidFill>
+              <a:schemeClr val="bg1"/>
+            </a:solidFill>
+          </p:spPr>
+          <p:txBody>
+            <a:bodyPr wrap="none" rtlCol="0">
+              <a:spAutoFit/>
+            </a:bodyPr>
+            <a:lstStyle/>
+            <a:p>
+              <a:r>
+                <a:rPr lang="en-US" sz="2400" b="1" dirty="0"/>
+                <a:t>75</a:t>
+              </a:r>
+            </a:p>
+          </p:txBody>
+        </p:sp>
+        <p:sp>
+          <p:nvSpPr>
+            <p:cNvPr id="42" name="TextBox 41"/>
+            <p:cNvSpPr txBox="1"/>
+            <p:nvPr/>
+          </p:nvSpPr>
+          <p:spPr>
+            <a:xfrm>
+              <a:off x="6800152" y="3168584"/>
+              <a:ext cx="495649" cy="461665"/>
+            </a:xfrm>
+            <a:prstGeom prst="rect">
+              <a:avLst/>
+            </a:prstGeom>
+            <a:solidFill>
+              <a:schemeClr val="bg1"/>
+            </a:solidFill>
+          </p:spPr>
+          <p:txBody>
+            <a:bodyPr wrap="none" rtlCol="0">
+              <a:spAutoFit/>
+            </a:bodyPr>
+            <a:lstStyle/>
+            <a:p>
+              <a:r>
+                <a:rPr lang="en-US" sz="2400" b="1" dirty="0"/>
+                <a:t>86</a:t>
+              </a:r>
+            </a:p>
+          </p:txBody>
+        </p:sp>
+        <p:sp>
+          <p:nvSpPr>
+            <p:cNvPr id="43" name="TextBox 42"/>
+            <p:cNvSpPr txBox="1"/>
+            <p:nvPr/>
+          </p:nvSpPr>
+          <p:spPr>
+            <a:xfrm>
+              <a:off x="10289140" y="3168584"/>
+              <a:ext cx="495649" cy="461665"/>
+            </a:xfrm>
+            <a:prstGeom prst="rect">
+              <a:avLst/>
+            </a:prstGeom>
+            <a:solidFill>
+              <a:schemeClr val="bg1"/>
+            </a:solidFill>
+          </p:spPr>
+          <p:txBody>
+            <a:bodyPr wrap="none" rtlCol="0">
+              <a:spAutoFit/>
+            </a:bodyPr>
+            <a:lstStyle/>
+            <a:p>
+              <a:r>
+                <a:rPr lang="en-US" sz="2400" b="1" dirty="0"/>
+                <a:t>08</a:t>
+              </a:r>
+            </a:p>
+          </p:txBody>
+        </p:sp>
+        <p:sp>
+          <p:nvSpPr>
+            <p:cNvPr id="44" name="TextBox 43"/>
+            <p:cNvSpPr txBox="1"/>
+            <p:nvPr/>
+          </p:nvSpPr>
+          <p:spPr>
+            <a:xfrm>
+              <a:off x="10205459" y="4018053"/>
+              <a:ext cx="495649" cy="461665"/>
+            </a:xfrm>
+            <a:prstGeom prst="rect">
+              <a:avLst/>
+            </a:prstGeom>
+            <a:solidFill>
+              <a:schemeClr val="bg1"/>
+            </a:solidFill>
+          </p:spPr>
+          <p:txBody>
+            <a:bodyPr wrap="none" rtlCol="0">
+              <a:spAutoFit/>
+            </a:bodyPr>
+            <a:lstStyle/>
+            <a:p>
+              <a:r>
+                <a:rPr lang="en-US" sz="2400" b="1" dirty="0"/>
+                <a:t>09</a:t>
+              </a:r>
+            </a:p>
+          </p:txBody>
+        </p:sp>
+        <p:sp>
+          <p:nvSpPr>
+            <p:cNvPr id="45" name="TextBox 44"/>
+            <p:cNvSpPr txBox="1"/>
+            <p:nvPr/>
+          </p:nvSpPr>
+          <p:spPr>
+            <a:xfrm>
+              <a:off x="9920987" y="4790143"/>
+              <a:ext cx="495649" cy="461665"/>
+            </a:xfrm>
+            <a:prstGeom prst="rect">
+              <a:avLst/>
+            </a:prstGeom>
+            <a:solidFill>
+              <a:schemeClr val="bg1"/>
+            </a:solidFill>
+          </p:spPr>
+          <p:txBody>
+            <a:bodyPr wrap="none" rtlCol="0">
+              <a:spAutoFit/>
+            </a:bodyPr>
+            <a:lstStyle/>
+            <a:p>
+              <a:r>
+                <a:rPr lang="en-US" sz="2400" b="1" dirty="0"/>
+                <a:t>10</a:t>
+              </a:r>
+            </a:p>
+          </p:txBody>
+        </p:sp>
+        <p:sp>
+          <p:nvSpPr>
+            <p:cNvPr id="46" name="TextBox 45"/>
+            <p:cNvSpPr txBox="1"/>
+            <p:nvPr/>
+          </p:nvSpPr>
+          <p:spPr>
+            <a:xfrm>
+              <a:off x="9502765" y="5520195"/>
+              <a:ext cx="495649" cy="461665"/>
+            </a:xfrm>
+            <a:prstGeom prst="rect">
+              <a:avLst/>
+            </a:prstGeom>
+            <a:solidFill>
+              <a:schemeClr val="bg1"/>
+            </a:solidFill>
+          </p:spPr>
+          <p:txBody>
+            <a:bodyPr wrap="none" rtlCol="0">
+              <a:spAutoFit/>
+            </a:bodyPr>
+            <a:lstStyle/>
+            <a:p>
+              <a:r>
+                <a:rPr lang="en-US" sz="2400" b="1" dirty="0"/>
+                <a:t>11</a:t>
+              </a:r>
+            </a:p>
+          </p:txBody>
+        </p:sp>
+        <p:sp>
+          <p:nvSpPr>
+            <p:cNvPr id="47" name="TextBox 46"/>
+            <p:cNvSpPr txBox="1"/>
+            <p:nvPr/>
+          </p:nvSpPr>
+          <p:spPr>
+            <a:xfrm>
+              <a:off x="8971283" y="6198749"/>
+              <a:ext cx="495649" cy="461665"/>
+            </a:xfrm>
+            <a:prstGeom prst="rect">
+              <a:avLst/>
+            </a:prstGeom>
+            <a:solidFill>
+              <a:srgbClr val="FFFF00"/>
+            </a:solidFill>
+          </p:spPr>
+          <p:txBody>
+            <a:bodyPr wrap="none" rtlCol="0">
+              <a:spAutoFit/>
+            </a:bodyPr>
+            <a:lstStyle>
+              <a:defPPr>
+                <a:defRPr lang="en-US"/>
+              </a:defPPr>
+              <a:lvl1pPr>
+                <a:defRPr sz="2400" b="1"/>
+              </a:lvl1pPr>
+            </a:lstStyle>
+            <a:p>
+              <a:r>
+                <a:rPr lang="en-US" dirty="0"/>
+                <a:t>12</a:t>
+              </a:r>
+            </a:p>
+          </p:txBody>
+        </p:sp>
+        <p:sp>
+          <p:nvSpPr>
+            <p:cNvPr id="48" name="TextBox 47"/>
+            <p:cNvSpPr txBox="1"/>
+            <p:nvPr/>
+          </p:nvSpPr>
+          <p:spPr>
+            <a:xfrm>
+              <a:off x="8232243" y="6698345"/>
+              <a:ext cx="495649" cy="461665"/>
+            </a:xfrm>
+            <a:prstGeom prst="rect">
+              <a:avLst/>
+            </a:prstGeom>
+            <a:solidFill>
+              <a:schemeClr val="bg1"/>
+            </a:solidFill>
+          </p:spPr>
+          <p:txBody>
+            <a:bodyPr wrap="none" rtlCol="0">
+              <a:spAutoFit/>
+            </a:bodyPr>
+            <a:lstStyle>
+              <a:defPPr>
+                <a:defRPr lang="en-US"/>
+              </a:defPPr>
+              <a:lvl1pPr>
+                <a:defRPr sz="2400" b="1"/>
+              </a:lvl1pPr>
+            </a:lstStyle>
+            <a:p>
+              <a:r>
+                <a:rPr lang="en-US" dirty="0"/>
+                <a:t>13</a:t>
+              </a:r>
+            </a:p>
+          </p:txBody>
+        </p:sp>
+        <p:sp>
+          <p:nvSpPr>
+            <p:cNvPr id="49" name="TextBox 48"/>
+            <p:cNvSpPr txBox="1"/>
+            <p:nvPr/>
+          </p:nvSpPr>
+          <p:spPr>
+            <a:xfrm>
+              <a:off x="7466912" y="7054603"/>
+              <a:ext cx="495649" cy="461665"/>
+            </a:xfrm>
+            <a:prstGeom prst="rect">
+              <a:avLst/>
+            </a:prstGeom>
+            <a:solidFill>
+              <a:schemeClr val="bg1"/>
+            </a:solidFill>
+          </p:spPr>
+          <p:txBody>
+            <a:bodyPr wrap="none" rtlCol="0">
+              <a:spAutoFit/>
+            </a:bodyPr>
+            <a:lstStyle/>
+            <a:p>
+              <a:r>
+                <a:rPr lang="en-US" sz="2400" b="1" dirty="0"/>
+                <a:t>14</a:t>
+              </a:r>
+            </a:p>
+          </p:txBody>
+        </p:sp>
+        <p:sp>
+          <p:nvSpPr>
+            <p:cNvPr id="50" name="TextBox 49"/>
+            <p:cNvSpPr txBox="1"/>
+            <p:nvPr/>
+          </p:nvSpPr>
+          <p:spPr>
+            <a:xfrm>
+              <a:off x="6589906" y="7277358"/>
+              <a:ext cx="495649" cy="461665"/>
+            </a:xfrm>
+            <a:prstGeom prst="rect">
+              <a:avLst/>
+            </a:prstGeom>
+            <a:solidFill>
+              <a:schemeClr val="bg1"/>
+            </a:solidFill>
+          </p:spPr>
+          <p:txBody>
+            <a:bodyPr wrap="none" rtlCol="0">
+              <a:spAutoFit/>
+            </a:bodyPr>
+            <a:lstStyle/>
+            <a:p>
+              <a:r>
+                <a:rPr lang="en-US" sz="2400" b="1" dirty="0"/>
+                <a:t>15</a:t>
+              </a:r>
+            </a:p>
+          </p:txBody>
+        </p:sp>
+        <p:sp>
+          <p:nvSpPr>
+            <p:cNvPr id="51" name="TextBox 50"/>
+            <p:cNvSpPr txBox="1"/>
+            <p:nvPr/>
+          </p:nvSpPr>
+          <p:spPr>
+            <a:xfrm>
+              <a:off x="9270987" y="4048172"/>
+              <a:ext cx="495649" cy="461665"/>
+            </a:xfrm>
+            <a:prstGeom prst="rect">
+              <a:avLst/>
+            </a:prstGeom>
+            <a:solidFill>
+              <a:schemeClr val="bg1"/>
+            </a:solidFill>
+          </p:spPr>
+          <p:txBody>
+            <a:bodyPr wrap="none" rtlCol="0">
+              <a:spAutoFit/>
+            </a:bodyPr>
+            <a:lstStyle/>
+            <a:p>
+              <a:r>
+                <a:rPr lang="en-US" sz="2400" b="1" dirty="0"/>
+                <a:t>39</a:t>
+              </a:r>
+            </a:p>
+          </p:txBody>
+        </p:sp>
+        <p:sp>
+          <p:nvSpPr>
+            <p:cNvPr id="52" name="TextBox 51"/>
+            <p:cNvSpPr txBox="1"/>
+            <p:nvPr/>
+          </p:nvSpPr>
+          <p:spPr>
+            <a:xfrm>
+              <a:off x="8930745" y="4874710"/>
+              <a:ext cx="495649" cy="461665"/>
+            </a:xfrm>
+            <a:prstGeom prst="rect">
+              <a:avLst/>
+            </a:prstGeom>
+            <a:solidFill>
+              <a:schemeClr val="bg1"/>
+            </a:solidFill>
+          </p:spPr>
+          <p:txBody>
+            <a:bodyPr wrap="none" rtlCol="0">
+              <a:spAutoFit/>
+            </a:bodyPr>
+            <a:lstStyle/>
+            <a:p>
+              <a:r>
+                <a:rPr lang="en-US" sz="2400" b="1" dirty="0"/>
+                <a:t>40</a:t>
+              </a:r>
+            </a:p>
+          </p:txBody>
+        </p:sp>
+        <p:sp>
+          <p:nvSpPr>
+            <p:cNvPr id="53" name="TextBox 52"/>
+            <p:cNvSpPr txBox="1"/>
+            <p:nvPr/>
+          </p:nvSpPr>
+          <p:spPr>
+            <a:xfrm>
+              <a:off x="8345310" y="5575682"/>
+              <a:ext cx="495649" cy="461665"/>
+            </a:xfrm>
+            <a:prstGeom prst="rect">
+              <a:avLst/>
+            </a:prstGeom>
+            <a:solidFill>
+              <a:srgbClr val="FFFF00"/>
+            </a:solidFill>
+          </p:spPr>
+          <p:txBody>
+            <a:bodyPr wrap="none" rtlCol="0">
+              <a:spAutoFit/>
+            </a:bodyPr>
+            <a:lstStyle>
+              <a:defPPr>
+                <a:defRPr lang="en-US"/>
+              </a:defPPr>
+              <a:lvl1pPr>
+                <a:defRPr sz="2400" b="1"/>
+              </a:lvl1pPr>
+            </a:lstStyle>
+            <a:p>
+              <a:r>
+                <a:rPr lang="en-US" dirty="0"/>
+                <a:t>41</a:t>
+              </a:r>
+            </a:p>
+          </p:txBody>
+        </p:sp>
+        <p:sp>
+          <p:nvSpPr>
+            <p:cNvPr id="54" name="TextBox 53"/>
+            <p:cNvSpPr txBox="1"/>
+            <p:nvPr/>
+          </p:nvSpPr>
+          <p:spPr>
+            <a:xfrm>
+              <a:off x="7530839" y="6145317"/>
+              <a:ext cx="495649" cy="461665"/>
+            </a:xfrm>
+            <a:prstGeom prst="rect">
+              <a:avLst/>
+            </a:prstGeom>
+            <a:solidFill>
+              <a:schemeClr val="bg1"/>
+            </a:solidFill>
+          </p:spPr>
+          <p:txBody>
+            <a:bodyPr wrap="none" rtlCol="0">
+              <a:spAutoFit/>
+            </a:bodyPr>
+            <a:lstStyle>
+              <a:defPPr>
+                <a:defRPr lang="en-US"/>
+              </a:defPPr>
+              <a:lvl1pPr>
+                <a:defRPr sz="2400" b="1"/>
+              </a:lvl1pPr>
+            </a:lstStyle>
+            <a:p>
+              <a:r>
+                <a:rPr lang="en-US" dirty="0"/>
+                <a:t>42</a:t>
+              </a:r>
+            </a:p>
+          </p:txBody>
+        </p:sp>
+        <p:sp>
+          <p:nvSpPr>
+            <p:cNvPr id="55" name="TextBox 54"/>
+            <p:cNvSpPr txBox="1"/>
+            <p:nvPr/>
+          </p:nvSpPr>
+          <p:spPr>
+            <a:xfrm>
+              <a:off x="6673919" y="6460927"/>
+              <a:ext cx="495649" cy="461665"/>
+            </a:xfrm>
+            <a:prstGeom prst="rect">
+              <a:avLst/>
+            </a:prstGeom>
+            <a:solidFill>
+              <a:schemeClr val="bg1"/>
+            </a:solidFill>
+          </p:spPr>
+          <p:txBody>
+            <a:bodyPr wrap="none" rtlCol="0">
+              <a:spAutoFit/>
+            </a:bodyPr>
+            <a:lstStyle/>
+            <a:p>
+              <a:r>
+                <a:rPr lang="en-US" sz="2400" b="1" dirty="0"/>
+                <a:t>43</a:t>
+              </a:r>
+            </a:p>
+          </p:txBody>
+        </p:sp>
+        <p:sp>
+          <p:nvSpPr>
+            <p:cNvPr id="56" name="TextBox 55"/>
+            <p:cNvSpPr txBox="1"/>
+            <p:nvPr/>
+          </p:nvSpPr>
+          <p:spPr>
+            <a:xfrm>
+              <a:off x="8358187" y="4166909"/>
+              <a:ext cx="495649" cy="461665"/>
+            </a:xfrm>
+            <a:prstGeom prst="rect">
+              <a:avLst/>
+            </a:prstGeom>
+            <a:solidFill>
+              <a:schemeClr val="bg1"/>
+            </a:solidFill>
+          </p:spPr>
+          <p:txBody>
+            <a:bodyPr wrap="none" rtlCol="0">
+              <a:spAutoFit/>
+            </a:bodyPr>
+            <a:lstStyle>
+              <a:defPPr>
+                <a:defRPr lang="en-US"/>
+              </a:defPPr>
+              <a:lvl1pPr>
+                <a:defRPr sz="2400" b="1"/>
+              </a:lvl1pPr>
+            </a:lstStyle>
+            <a:p>
+              <a:r>
+                <a:rPr lang="en-US" dirty="0"/>
+                <a:t>61</a:t>
+              </a:r>
+            </a:p>
+          </p:txBody>
+        </p:sp>
+        <p:sp>
+          <p:nvSpPr>
+            <p:cNvPr id="57" name="TextBox 56"/>
+            <p:cNvSpPr txBox="1"/>
+            <p:nvPr/>
+          </p:nvSpPr>
+          <p:spPr>
+            <a:xfrm>
+              <a:off x="7715874" y="5046655"/>
+              <a:ext cx="495649" cy="461665"/>
+            </a:xfrm>
+            <a:prstGeom prst="rect">
+              <a:avLst/>
+            </a:prstGeom>
+            <a:solidFill>
+              <a:srgbClr val="FFFF00"/>
+            </a:solidFill>
+          </p:spPr>
+          <p:txBody>
+            <a:bodyPr wrap="none" rtlCol="0">
+              <a:spAutoFit/>
+            </a:bodyPr>
+            <a:lstStyle>
+              <a:defPPr>
+                <a:defRPr lang="en-US"/>
+              </a:defPPr>
+              <a:lvl1pPr>
+                <a:defRPr sz="2400" b="1"/>
+              </a:lvl1pPr>
+            </a:lstStyle>
+            <a:p>
+              <a:r>
+                <a:rPr lang="en-US" dirty="0"/>
+                <a:t>62</a:t>
+              </a:r>
+            </a:p>
+          </p:txBody>
+        </p:sp>
+        <p:sp>
+          <p:nvSpPr>
+            <p:cNvPr id="58" name="TextBox 57"/>
+            <p:cNvSpPr txBox="1"/>
+            <p:nvPr/>
+          </p:nvSpPr>
+          <p:spPr>
+            <a:xfrm>
+              <a:off x="6788258" y="5575000"/>
+              <a:ext cx="495649" cy="461665"/>
+            </a:xfrm>
+            <a:prstGeom prst="rect">
+              <a:avLst/>
+            </a:prstGeom>
+            <a:solidFill>
+              <a:srgbClr val="FFFF00"/>
+            </a:solidFill>
+          </p:spPr>
+          <p:txBody>
+            <a:bodyPr wrap="none" rtlCol="0">
+              <a:spAutoFit/>
+            </a:bodyPr>
+            <a:lstStyle>
+              <a:defPPr>
+                <a:defRPr lang="en-US"/>
+              </a:defPPr>
+              <a:lvl1pPr>
+                <a:defRPr sz="2400" b="1"/>
+              </a:lvl1pPr>
+            </a:lstStyle>
+            <a:p>
+              <a:r>
+                <a:rPr lang="en-US" dirty="0"/>
+                <a:t>63</a:t>
+              </a:r>
+            </a:p>
+          </p:txBody>
+        </p:sp>
+        <p:sp>
+          <p:nvSpPr>
+            <p:cNvPr id="59" name="TextBox 58"/>
+            <p:cNvSpPr txBox="1"/>
+            <p:nvPr/>
+          </p:nvSpPr>
+          <p:spPr>
+            <a:xfrm>
+              <a:off x="7433512" y="4103618"/>
+              <a:ext cx="495649" cy="461665"/>
+            </a:xfrm>
+            <a:prstGeom prst="rect">
+              <a:avLst/>
+            </a:prstGeom>
+            <a:solidFill>
+              <a:srgbClr val="FFFF00"/>
+            </a:solidFill>
+          </p:spPr>
+          <p:txBody>
+            <a:bodyPr wrap="none" rtlCol="0">
+              <a:spAutoFit/>
+            </a:bodyPr>
+            <a:lstStyle>
+              <a:defPPr>
+                <a:defRPr lang="en-US"/>
+              </a:defPPr>
+              <a:lvl1pPr>
+                <a:defRPr sz="2400" b="1"/>
+              </a:lvl1pPr>
+            </a:lstStyle>
+            <a:p>
+              <a:r>
+                <a:rPr lang="en-US" dirty="0"/>
+                <a:t>76</a:t>
+              </a:r>
+            </a:p>
+          </p:txBody>
+        </p:sp>
+        <p:sp>
+          <p:nvSpPr>
+            <p:cNvPr id="60" name="TextBox 59"/>
+            <p:cNvSpPr txBox="1"/>
+            <p:nvPr/>
+          </p:nvSpPr>
+          <p:spPr>
+            <a:xfrm>
+              <a:off x="6725104" y="4742610"/>
+              <a:ext cx="495649" cy="461665"/>
+            </a:xfrm>
+            <a:prstGeom prst="rect">
+              <a:avLst/>
+            </a:prstGeom>
+            <a:solidFill>
+              <a:schemeClr val="bg1"/>
+            </a:solidFill>
+          </p:spPr>
+          <p:txBody>
+            <a:bodyPr wrap="none" rtlCol="0">
+              <a:spAutoFit/>
+            </a:bodyPr>
+            <a:lstStyle/>
+            <a:p>
+              <a:r>
+                <a:rPr lang="en-US" sz="2400" b="1" dirty="0"/>
+                <a:t>77</a:t>
+              </a:r>
+            </a:p>
+          </p:txBody>
+        </p:sp>
+        <p:sp>
+          <p:nvSpPr>
+            <p:cNvPr id="61" name="TextBox 60"/>
+            <p:cNvSpPr txBox="1"/>
+            <p:nvPr/>
+          </p:nvSpPr>
+          <p:spPr>
+            <a:xfrm>
+              <a:off x="6520492" y="3897663"/>
+              <a:ext cx="495649" cy="461665"/>
+            </a:xfrm>
+            <a:prstGeom prst="rect">
+              <a:avLst/>
+            </a:prstGeom>
+            <a:solidFill>
+              <a:srgbClr val="FFFF00"/>
+            </a:solidFill>
+          </p:spPr>
+          <p:txBody>
+            <a:bodyPr wrap="none" rtlCol="0">
+              <a:spAutoFit/>
+            </a:bodyPr>
+            <a:lstStyle>
+              <a:defPPr>
+                <a:defRPr lang="en-US"/>
+              </a:defPPr>
+              <a:lvl1pPr>
+                <a:defRPr sz="2400" b="1"/>
+              </a:lvl1pPr>
+            </a:lstStyle>
+            <a:p>
+              <a:r>
+                <a:rPr lang="en-US" dirty="0"/>
+                <a:t>87</a:t>
+              </a:r>
+            </a:p>
+          </p:txBody>
+        </p:sp>
+        <p:sp>
+          <p:nvSpPr>
+            <p:cNvPr id="62" name="TextBox 61"/>
+            <p:cNvSpPr txBox="1"/>
+            <p:nvPr/>
+          </p:nvSpPr>
+          <p:spPr>
+            <a:xfrm>
+              <a:off x="4774003" y="3168584"/>
+              <a:ext cx="495649" cy="461665"/>
+            </a:xfrm>
+            <a:prstGeom prst="rect">
+              <a:avLst/>
+            </a:prstGeom>
+            <a:solidFill>
+              <a:schemeClr val="bg1"/>
+            </a:solidFill>
+          </p:spPr>
+          <p:txBody>
+            <a:bodyPr wrap="none" rtlCol="0">
+              <a:spAutoFit/>
+            </a:bodyPr>
+            <a:lstStyle/>
+            <a:p>
+              <a:r>
+                <a:rPr lang="en-US" sz="2400" b="1" dirty="0"/>
+                <a:t>90</a:t>
+              </a:r>
+            </a:p>
+          </p:txBody>
+        </p:sp>
+        <p:sp>
+          <p:nvSpPr>
+            <p:cNvPr id="63" name="TextBox 62"/>
+            <p:cNvSpPr txBox="1"/>
+            <p:nvPr/>
+          </p:nvSpPr>
+          <p:spPr>
+            <a:xfrm>
+              <a:off x="3873253" y="3168584"/>
+              <a:ext cx="495649" cy="461665"/>
+            </a:xfrm>
+            <a:prstGeom prst="rect">
+              <a:avLst/>
+            </a:prstGeom>
+            <a:solidFill>
+              <a:schemeClr val="bg1"/>
+            </a:solidFill>
+          </p:spPr>
+          <p:txBody>
+            <a:bodyPr wrap="none" rtlCol="0">
+              <a:spAutoFit/>
+            </a:bodyPr>
+            <a:lstStyle/>
+            <a:p>
+              <a:r>
+                <a:rPr lang="en-US" sz="2400" b="1" dirty="0"/>
+                <a:t>81</a:t>
+              </a:r>
+            </a:p>
+          </p:txBody>
+        </p:sp>
+        <p:sp>
+          <p:nvSpPr>
+            <p:cNvPr id="64" name="TextBox 63"/>
+            <p:cNvSpPr txBox="1"/>
+            <p:nvPr/>
+          </p:nvSpPr>
+          <p:spPr>
+            <a:xfrm>
+              <a:off x="2991505" y="3168584"/>
+              <a:ext cx="495649" cy="461665"/>
+            </a:xfrm>
+            <a:prstGeom prst="rect">
+              <a:avLst/>
+            </a:prstGeom>
+            <a:solidFill>
+              <a:srgbClr val="FFFF00"/>
+            </a:solidFill>
+          </p:spPr>
+          <p:txBody>
+            <a:bodyPr wrap="none" rtlCol="0">
+              <a:spAutoFit/>
+            </a:bodyPr>
+            <a:lstStyle>
+              <a:defPPr>
+                <a:defRPr lang="en-US"/>
+              </a:defPPr>
+              <a:lvl1pPr>
+                <a:defRPr sz="2400" b="1"/>
+              </a:lvl1pPr>
+            </a:lstStyle>
+            <a:p>
+              <a:r>
+                <a:rPr lang="en-US" dirty="0"/>
+                <a:t>68</a:t>
+              </a:r>
+            </a:p>
+          </p:txBody>
+        </p:sp>
+        <p:sp>
+          <p:nvSpPr>
+            <p:cNvPr id="65" name="TextBox 64"/>
+            <p:cNvSpPr txBox="1"/>
+            <p:nvPr/>
+          </p:nvSpPr>
+          <p:spPr>
+            <a:xfrm>
+              <a:off x="3202385" y="2156787"/>
+              <a:ext cx="495649" cy="461665"/>
+            </a:xfrm>
+            <a:prstGeom prst="rect">
+              <a:avLst/>
+            </a:prstGeom>
+            <a:solidFill>
+              <a:srgbClr val="FFFF00"/>
+            </a:solidFill>
+          </p:spPr>
+          <p:txBody>
+            <a:bodyPr wrap="none" rtlCol="0">
+              <a:spAutoFit/>
+            </a:bodyPr>
+            <a:lstStyle>
+              <a:defPPr>
+                <a:defRPr lang="en-US"/>
+              </a:defPPr>
+              <a:lvl1pPr>
+                <a:defRPr sz="2400" b="1"/>
+              </a:lvl1pPr>
+            </a:lstStyle>
+            <a:p>
+              <a:r>
+                <a:rPr lang="en-US" dirty="0"/>
+                <a:t>69</a:t>
+              </a:r>
+            </a:p>
+          </p:txBody>
+        </p:sp>
+        <p:sp>
+          <p:nvSpPr>
+            <p:cNvPr id="66" name="TextBox 65"/>
+            <p:cNvSpPr txBox="1"/>
+            <p:nvPr/>
+          </p:nvSpPr>
+          <p:spPr>
+            <a:xfrm>
+              <a:off x="3291432" y="-374587"/>
+              <a:ext cx="495649" cy="461665"/>
+            </a:xfrm>
+            <a:prstGeom prst="rect">
+              <a:avLst/>
+            </a:prstGeom>
+            <a:solidFill>
+              <a:schemeClr val="bg1"/>
+            </a:solidFill>
+          </p:spPr>
+          <p:txBody>
+            <a:bodyPr wrap="none" rtlCol="0">
+              <a:spAutoFit/>
+            </a:bodyPr>
+            <a:lstStyle/>
+            <a:p>
+              <a:r>
+                <a:rPr lang="en-US" sz="2400" b="1"/>
+                <a:t>29</a:t>
+              </a:r>
+              <a:endParaRPr lang="en-US" sz="2400" b="1" dirty="0"/>
+            </a:p>
+          </p:txBody>
+        </p:sp>
+        <p:sp>
+          <p:nvSpPr>
+            <p:cNvPr id="67" name="TextBox 66"/>
+            <p:cNvSpPr txBox="1"/>
+            <p:nvPr/>
+          </p:nvSpPr>
+          <p:spPr>
+            <a:xfrm>
+              <a:off x="2629061" y="146732"/>
+              <a:ext cx="495649" cy="461665"/>
+            </a:xfrm>
+            <a:prstGeom prst="rect">
+              <a:avLst/>
+            </a:prstGeom>
+            <a:solidFill>
+              <a:schemeClr val="bg1"/>
+            </a:solidFill>
+          </p:spPr>
+          <p:txBody>
+            <a:bodyPr wrap="none" rtlCol="0">
+              <a:spAutoFit/>
+            </a:bodyPr>
+            <a:lstStyle/>
+            <a:p>
+              <a:r>
+                <a:rPr lang="en-US" sz="2400" b="1" dirty="0"/>
+                <a:t>28</a:t>
+              </a:r>
+            </a:p>
+          </p:txBody>
+        </p:sp>
+        <p:sp>
+          <p:nvSpPr>
+            <p:cNvPr id="68" name="TextBox 67"/>
+            <p:cNvSpPr txBox="1"/>
+            <p:nvPr/>
+          </p:nvSpPr>
+          <p:spPr>
+            <a:xfrm>
+              <a:off x="2078758" y="816527"/>
+              <a:ext cx="495649" cy="461665"/>
+            </a:xfrm>
+            <a:prstGeom prst="rect">
+              <a:avLst/>
+            </a:prstGeom>
+            <a:solidFill>
+              <a:schemeClr val="bg1"/>
+            </a:solidFill>
+          </p:spPr>
+          <p:txBody>
+            <a:bodyPr wrap="none" rtlCol="0">
+              <a:spAutoFit/>
+            </a:bodyPr>
+            <a:lstStyle/>
+            <a:p>
+              <a:r>
+                <a:rPr lang="en-US" sz="2400" b="1" dirty="0"/>
+                <a:t>27</a:t>
+              </a:r>
+            </a:p>
+          </p:txBody>
+        </p:sp>
+        <p:sp>
+          <p:nvSpPr>
+            <p:cNvPr id="69" name="TextBox 68"/>
+            <p:cNvSpPr txBox="1"/>
+            <p:nvPr/>
+          </p:nvSpPr>
+          <p:spPr>
+            <a:xfrm>
+              <a:off x="1664880" y="1524599"/>
+              <a:ext cx="495649" cy="461665"/>
+            </a:xfrm>
+            <a:prstGeom prst="rect">
+              <a:avLst/>
+            </a:prstGeom>
+            <a:solidFill>
+              <a:schemeClr val="bg1"/>
+            </a:solidFill>
+          </p:spPr>
+          <p:txBody>
+            <a:bodyPr wrap="none" rtlCol="0">
+              <a:spAutoFit/>
+            </a:bodyPr>
+            <a:lstStyle/>
+            <a:p>
+              <a:r>
+                <a:rPr lang="en-US" sz="2400" b="1" dirty="0"/>
+                <a:t>26</a:t>
+              </a:r>
+            </a:p>
+          </p:txBody>
+        </p:sp>
+        <p:sp>
+          <p:nvSpPr>
+            <p:cNvPr id="70" name="TextBox 69"/>
+            <p:cNvSpPr txBox="1"/>
+            <p:nvPr/>
+          </p:nvSpPr>
+          <p:spPr>
+            <a:xfrm>
+              <a:off x="1361942" y="2297601"/>
+              <a:ext cx="495649" cy="461665"/>
+            </a:xfrm>
+            <a:prstGeom prst="rect">
+              <a:avLst/>
+            </a:prstGeom>
+            <a:solidFill>
+              <a:srgbClr val="FFFF00"/>
+            </a:solidFill>
+          </p:spPr>
+          <p:txBody>
+            <a:bodyPr wrap="none" rtlCol="0">
+              <a:spAutoFit/>
+            </a:bodyPr>
+            <a:lstStyle>
+              <a:defPPr>
+                <a:defRPr lang="en-US"/>
+              </a:defPPr>
+              <a:lvl1pPr>
+                <a:defRPr sz="2400" b="1"/>
+              </a:lvl1pPr>
+            </a:lstStyle>
+            <a:p>
+              <a:r>
+                <a:rPr lang="en-US" dirty="0"/>
+                <a:t>25</a:t>
+              </a:r>
+            </a:p>
+          </p:txBody>
+        </p:sp>
+        <p:sp>
+          <p:nvSpPr>
+            <p:cNvPr id="71" name="TextBox 70"/>
+            <p:cNvSpPr txBox="1"/>
+            <p:nvPr/>
+          </p:nvSpPr>
+          <p:spPr>
+            <a:xfrm>
+              <a:off x="1299233" y="3168584"/>
+              <a:ext cx="495649" cy="461665"/>
+            </a:xfrm>
+            <a:prstGeom prst="rect">
+              <a:avLst/>
+            </a:prstGeom>
+            <a:solidFill>
+              <a:schemeClr val="bg1"/>
+            </a:solidFill>
+          </p:spPr>
+          <p:txBody>
+            <a:bodyPr wrap="none" rtlCol="0">
+              <a:spAutoFit/>
+            </a:bodyPr>
+            <a:lstStyle/>
+            <a:p>
+              <a:r>
+                <a:rPr lang="en-US" sz="2400" b="1" dirty="0"/>
+                <a:t>24</a:t>
+              </a:r>
+            </a:p>
+          </p:txBody>
+        </p:sp>
+        <p:sp>
+          <p:nvSpPr>
+            <p:cNvPr id="72" name="TextBox 71"/>
+            <p:cNvSpPr txBox="1"/>
+            <p:nvPr/>
+          </p:nvSpPr>
+          <p:spPr>
+            <a:xfrm>
+              <a:off x="1384621" y="3921559"/>
+              <a:ext cx="495649" cy="461665"/>
+            </a:xfrm>
+            <a:prstGeom prst="rect">
+              <a:avLst/>
+            </a:prstGeom>
+            <a:solidFill>
+              <a:schemeClr val="bg1"/>
+            </a:solidFill>
+          </p:spPr>
+          <p:txBody>
+            <a:bodyPr wrap="none" rtlCol="0">
+              <a:spAutoFit/>
+            </a:bodyPr>
+            <a:lstStyle/>
+            <a:p>
+              <a:r>
+                <a:rPr lang="en-US" sz="2400" b="1"/>
+                <a:t>23</a:t>
+              </a:r>
+              <a:endParaRPr lang="en-US" sz="2400" b="1" dirty="0"/>
+            </a:p>
+          </p:txBody>
+        </p:sp>
+        <p:sp>
+          <p:nvSpPr>
+            <p:cNvPr id="73" name="TextBox 72"/>
+            <p:cNvSpPr txBox="1"/>
+            <p:nvPr/>
+          </p:nvSpPr>
+          <p:spPr>
+            <a:xfrm>
+              <a:off x="1658530" y="4742610"/>
+              <a:ext cx="495649" cy="461665"/>
+            </a:xfrm>
+            <a:prstGeom prst="rect">
+              <a:avLst/>
+            </a:prstGeom>
+            <a:solidFill>
+              <a:schemeClr val="bg1"/>
+            </a:solidFill>
+          </p:spPr>
+          <p:txBody>
+            <a:bodyPr wrap="none" rtlCol="0">
+              <a:spAutoFit/>
+            </a:bodyPr>
+            <a:lstStyle/>
+            <a:p>
+              <a:r>
+                <a:rPr lang="en-US" sz="2400" b="1" dirty="0"/>
+                <a:t>22</a:t>
+              </a:r>
+            </a:p>
+          </p:txBody>
+        </p:sp>
+        <p:sp>
+          <p:nvSpPr>
+            <p:cNvPr id="74" name="TextBox 73"/>
+            <p:cNvSpPr txBox="1"/>
+            <p:nvPr/>
+          </p:nvSpPr>
+          <p:spPr>
+            <a:xfrm>
+              <a:off x="2051709" y="5456201"/>
+              <a:ext cx="495649" cy="461665"/>
+            </a:xfrm>
+            <a:prstGeom prst="rect">
+              <a:avLst/>
+            </a:prstGeom>
+            <a:solidFill>
+              <a:schemeClr val="bg1"/>
+            </a:solidFill>
+          </p:spPr>
+          <p:txBody>
+            <a:bodyPr wrap="none" rtlCol="0">
+              <a:spAutoFit/>
+            </a:bodyPr>
+            <a:lstStyle/>
+            <a:p>
+              <a:r>
+                <a:rPr lang="en-US" sz="2400" b="1" dirty="0"/>
+                <a:t>21</a:t>
+              </a:r>
+            </a:p>
+          </p:txBody>
+        </p:sp>
+        <p:sp>
+          <p:nvSpPr>
+            <p:cNvPr id="75" name="TextBox 74"/>
+            <p:cNvSpPr txBox="1"/>
+            <p:nvPr/>
+          </p:nvSpPr>
+          <p:spPr>
+            <a:xfrm>
+              <a:off x="2598686" y="6084165"/>
+              <a:ext cx="495649" cy="461665"/>
+            </a:xfrm>
+            <a:prstGeom prst="rect">
+              <a:avLst/>
+            </a:prstGeom>
+            <a:solidFill>
+              <a:srgbClr val="FFFF00"/>
+            </a:solidFill>
+          </p:spPr>
+          <p:txBody>
+            <a:bodyPr wrap="none" rtlCol="0">
+              <a:spAutoFit/>
+            </a:bodyPr>
+            <a:lstStyle>
+              <a:defPPr>
+                <a:defRPr lang="en-US"/>
+              </a:defPPr>
+              <a:lvl1pPr>
+                <a:defRPr sz="2400" b="1"/>
+              </a:lvl1pPr>
+            </a:lstStyle>
+            <a:p>
+              <a:r>
+                <a:rPr lang="en-US" dirty="0"/>
+                <a:t>20</a:t>
+              </a:r>
+            </a:p>
+          </p:txBody>
+        </p:sp>
+        <p:sp>
+          <p:nvSpPr>
+            <p:cNvPr id="76" name="TextBox 75"/>
+            <p:cNvSpPr txBox="1"/>
+            <p:nvPr/>
+          </p:nvSpPr>
+          <p:spPr>
+            <a:xfrm>
+              <a:off x="5755649" y="7363424"/>
+              <a:ext cx="495649" cy="461665"/>
+            </a:xfrm>
+            <a:prstGeom prst="rect">
+              <a:avLst/>
+            </a:prstGeom>
+            <a:solidFill>
+              <a:schemeClr val="bg1"/>
+            </a:solidFill>
+          </p:spPr>
+          <p:txBody>
+            <a:bodyPr wrap="none" rtlCol="0">
+              <a:spAutoFit/>
+            </a:bodyPr>
+            <a:lstStyle/>
+            <a:p>
+              <a:r>
+                <a:rPr lang="en-US" sz="2400" b="1"/>
+                <a:t>16</a:t>
+              </a:r>
+              <a:endParaRPr lang="en-US" sz="2400" b="1" dirty="0"/>
+            </a:p>
+          </p:txBody>
+        </p:sp>
+        <p:sp>
+          <p:nvSpPr>
+            <p:cNvPr id="77" name="TextBox 76"/>
+            <p:cNvSpPr txBox="1"/>
+            <p:nvPr/>
+          </p:nvSpPr>
+          <p:spPr>
+            <a:xfrm>
+              <a:off x="4838833" y="7277358"/>
+              <a:ext cx="495649" cy="461665"/>
+            </a:xfrm>
+            <a:prstGeom prst="rect">
+              <a:avLst/>
+            </a:prstGeom>
+            <a:solidFill>
+              <a:schemeClr val="bg1"/>
+            </a:solidFill>
+          </p:spPr>
+          <p:txBody>
+            <a:bodyPr wrap="none" rtlCol="0">
+              <a:spAutoFit/>
+            </a:bodyPr>
+            <a:lstStyle/>
+            <a:p>
+              <a:r>
+                <a:rPr lang="en-US" sz="2400" b="1" dirty="0"/>
+                <a:t>17</a:t>
+              </a:r>
+            </a:p>
+          </p:txBody>
+        </p:sp>
+        <p:sp>
+          <p:nvSpPr>
+            <p:cNvPr id="78" name="TextBox 77"/>
+            <p:cNvSpPr txBox="1"/>
+            <p:nvPr/>
+          </p:nvSpPr>
+          <p:spPr>
+            <a:xfrm>
+              <a:off x="4015409" y="7025187"/>
+              <a:ext cx="495649" cy="461665"/>
+            </a:xfrm>
+            <a:prstGeom prst="rect">
+              <a:avLst/>
+            </a:prstGeom>
+            <a:solidFill>
+              <a:schemeClr val="bg1"/>
+            </a:solidFill>
+          </p:spPr>
+          <p:txBody>
+            <a:bodyPr wrap="none" rtlCol="0">
+              <a:spAutoFit/>
+            </a:bodyPr>
+            <a:lstStyle/>
+            <a:p>
+              <a:r>
+                <a:rPr lang="en-US" sz="2400" b="1" dirty="0"/>
+                <a:t>18</a:t>
+              </a:r>
+            </a:p>
+          </p:txBody>
+        </p:sp>
+        <p:sp>
+          <p:nvSpPr>
+            <p:cNvPr id="79" name="TextBox 78"/>
+            <p:cNvSpPr txBox="1"/>
+            <p:nvPr/>
+          </p:nvSpPr>
+          <p:spPr>
+            <a:xfrm>
+              <a:off x="3273635" y="6606982"/>
+              <a:ext cx="495649" cy="461665"/>
+            </a:xfrm>
+            <a:prstGeom prst="rect">
+              <a:avLst/>
+            </a:prstGeom>
+            <a:solidFill>
+              <a:schemeClr val="bg1"/>
+            </a:solidFill>
+          </p:spPr>
+          <p:txBody>
+            <a:bodyPr wrap="none" rtlCol="0">
+              <a:spAutoFit/>
+            </a:bodyPr>
+            <a:lstStyle/>
+            <a:p>
+              <a:r>
+                <a:rPr lang="en-US" sz="2400" b="1" dirty="0"/>
+                <a:t>19</a:t>
+              </a:r>
+            </a:p>
+          </p:txBody>
+        </p:sp>
+        <p:sp>
+          <p:nvSpPr>
+            <p:cNvPr id="80" name="TextBox 79"/>
+            <p:cNvSpPr txBox="1"/>
+            <p:nvPr/>
+          </p:nvSpPr>
+          <p:spPr>
+            <a:xfrm>
+              <a:off x="5755649" y="6565404"/>
+              <a:ext cx="495649" cy="461665"/>
+            </a:xfrm>
+            <a:prstGeom prst="rect">
+              <a:avLst/>
+            </a:prstGeom>
+            <a:solidFill>
+              <a:schemeClr val="bg1"/>
+            </a:solidFill>
+          </p:spPr>
+          <p:txBody>
+            <a:bodyPr wrap="none" rtlCol="0">
+              <a:spAutoFit/>
+            </a:bodyPr>
+            <a:lstStyle/>
+            <a:p>
+              <a:r>
+                <a:rPr lang="en-US" sz="2400" b="1" dirty="0"/>
+                <a:t>44</a:t>
+              </a:r>
+            </a:p>
+          </p:txBody>
+        </p:sp>
+        <p:sp>
+          <p:nvSpPr>
+            <p:cNvPr id="81" name="TextBox 80"/>
+            <p:cNvSpPr txBox="1"/>
+            <p:nvPr/>
+          </p:nvSpPr>
+          <p:spPr>
+            <a:xfrm>
+              <a:off x="4833811" y="6444968"/>
+              <a:ext cx="495649" cy="461665"/>
+            </a:xfrm>
+            <a:prstGeom prst="rect">
+              <a:avLst/>
+            </a:prstGeom>
+            <a:solidFill>
+              <a:schemeClr val="bg1"/>
+            </a:solidFill>
+          </p:spPr>
+          <p:txBody>
+            <a:bodyPr wrap="none" rtlCol="0">
+              <a:spAutoFit/>
+            </a:bodyPr>
+            <a:lstStyle/>
+            <a:p>
+              <a:r>
+                <a:rPr lang="en-US" sz="2400" b="1" dirty="0"/>
+                <a:t>45</a:t>
+              </a:r>
+            </a:p>
+          </p:txBody>
+        </p:sp>
+        <p:sp>
+          <p:nvSpPr>
+            <p:cNvPr id="82" name="TextBox 81"/>
+            <p:cNvSpPr txBox="1"/>
+            <p:nvPr/>
+          </p:nvSpPr>
+          <p:spPr>
+            <a:xfrm>
+              <a:off x="3960018" y="6084164"/>
+              <a:ext cx="495649" cy="461665"/>
+            </a:xfrm>
+            <a:prstGeom prst="rect">
+              <a:avLst/>
+            </a:prstGeom>
+            <a:solidFill>
+              <a:schemeClr val="bg1"/>
+            </a:solidFill>
+          </p:spPr>
+          <p:txBody>
+            <a:bodyPr wrap="none" rtlCol="0">
+              <a:spAutoFit/>
+            </a:bodyPr>
+            <a:lstStyle>
+              <a:defPPr>
+                <a:defRPr lang="en-US"/>
+              </a:defPPr>
+              <a:lvl1pPr>
+                <a:defRPr sz="2400" b="1"/>
+              </a:lvl1pPr>
+            </a:lstStyle>
+            <a:p>
+              <a:r>
+                <a:rPr lang="en-US" dirty="0"/>
+                <a:t>46</a:t>
+              </a:r>
+            </a:p>
+          </p:txBody>
+        </p:sp>
+        <p:sp>
+          <p:nvSpPr>
+            <p:cNvPr id="83" name="TextBox 82"/>
+            <p:cNvSpPr txBox="1"/>
+            <p:nvPr/>
+          </p:nvSpPr>
+          <p:spPr>
+            <a:xfrm>
+              <a:off x="3204854" y="5529697"/>
+              <a:ext cx="495649" cy="461665"/>
+            </a:xfrm>
+            <a:prstGeom prst="rect">
+              <a:avLst/>
+            </a:prstGeom>
+            <a:solidFill>
+              <a:srgbClr val="FFFF00"/>
+            </a:solidFill>
+          </p:spPr>
+          <p:txBody>
+            <a:bodyPr wrap="none" rtlCol="0">
+              <a:spAutoFit/>
+            </a:bodyPr>
+            <a:lstStyle>
+              <a:defPPr>
+                <a:defRPr lang="en-US"/>
+              </a:defPPr>
+              <a:lvl1pPr>
+                <a:defRPr sz="2400" b="1"/>
+              </a:lvl1pPr>
+            </a:lstStyle>
+            <a:p>
+              <a:r>
+                <a:rPr lang="en-US" dirty="0"/>
+                <a:t>47</a:t>
+              </a:r>
+            </a:p>
+          </p:txBody>
+        </p:sp>
+        <p:sp>
+          <p:nvSpPr>
+            <p:cNvPr id="84" name="TextBox 83"/>
+            <p:cNvSpPr txBox="1"/>
+            <p:nvPr/>
+          </p:nvSpPr>
+          <p:spPr>
+            <a:xfrm>
+              <a:off x="2633989" y="4825324"/>
+              <a:ext cx="495649" cy="461665"/>
+            </a:xfrm>
+            <a:prstGeom prst="rect">
+              <a:avLst/>
+            </a:prstGeom>
+            <a:solidFill>
+              <a:schemeClr val="bg1"/>
+            </a:solidFill>
+          </p:spPr>
+          <p:txBody>
+            <a:bodyPr wrap="none" rtlCol="0">
+              <a:spAutoFit/>
+            </a:bodyPr>
+            <a:lstStyle/>
+            <a:p>
+              <a:r>
+                <a:rPr lang="en-US" sz="2400" b="1" dirty="0"/>
+                <a:t>48</a:t>
+              </a:r>
+            </a:p>
+          </p:txBody>
+        </p:sp>
+        <p:sp>
+          <p:nvSpPr>
+            <p:cNvPr id="85" name="TextBox 84"/>
+            <p:cNvSpPr txBox="1"/>
+            <p:nvPr/>
+          </p:nvSpPr>
+          <p:spPr>
+            <a:xfrm>
+              <a:off x="2270598" y="4002735"/>
+              <a:ext cx="495649" cy="461665"/>
+            </a:xfrm>
+            <a:prstGeom prst="rect">
+              <a:avLst/>
+            </a:prstGeom>
+            <a:solidFill>
+              <a:schemeClr val="bg1"/>
+            </a:solidFill>
+          </p:spPr>
+          <p:txBody>
+            <a:bodyPr wrap="none" rtlCol="0">
+              <a:spAutoFit/>
+            </a:bodyPr>
+            <a:lstStyle/>
+            <a:p>
+              <a:r>
+                <a:rPr lang="en-US" sz="2400" b="1" dirty="0"/>
+                <a:t>49</a:t>
+              </a:r>
+            </a:p>
+          </p:txBody>
+        </p:sp>
+        <p:sp>
+          <p:nvSpPr>
+            <p:cNvPr id="86" name="TextBox 85"/>
+            <p:cNvSpPr txBox="1"/>
+            <p:nvPr/>
+          </p:nvSpPr>
+          <p:spPr>
+            <a:xfrm>
+              <a:off x="5755649" y="5767384"/>
+              <a:ext cx="495649" cy="461665"/>
+            </a:xfrm>
+            <a:prstGeom prst="rect">
+              <a:avLst/>
+            </a:prstGeom>
+            <a:solidFill>
+              <a:schemeClr val="bg1"/>
+            </a:solidFill>
+          </p:spPr>
+          <p:txBody>
+            <a:bodyPr wrap="none" rtlCol="0">
+              <a:spAutoFit/>
+            </a:bodyPr>
+            <a:lstStyle/>
+            <a:p>
+              <a:r>
+                <a:rPr lang="en-US" sz="2400" b="1"/>
+                <a:t>64</a:t>
+              </a:r>
+              <a:endParaRPr lang="en-US" sz="2400" b="1" dirty="0"/>
+            </a:p>
+          </p:txBody>
+        </p:sp>
+        <p:sp>
+          <p:nvSpPr>
+            <p:cNvPr id="87" name="TextBox 86"/>
+            <p:cNvSpPr txBox="1"/>
+            <p:nvPr/>
+          </p:nvSpPr>
+          <p:spPr>
+            <a:xfrm>
+              <a:off x="4747124" y="5562247"/>
+              <a:ext cx="495649" cy="461665"/>
+            </a:xfrm>
+            <a:prstGeom prst="rect">
+              <a:avLst/>
+            </a:prstGeom>
+            <a:solidFill>
+              <a:srgbClr val="FFFF00"/>
+            </a:solidFill>
+          </p:spPr>
+          <p:txBody>
+            <a:bodyPr wrap="none" rtlCol="0">
+              <a:spAutoFit/>
+            </a:bodyPr>
+            <a:lstStyle>
+              <a:defPPr>
+                <a:defRPr lang="en-US"/>
+              </a:defPPr>
+              <a:lvl1pPr>
+                <a:defRPr sz="2400" b="1"/>
+              </a:lvl1pPr>
+            </a:lstStyle>
+            <a:p>
+              <a:r>
+                <a:rPr lang="en-US" dirty="0"/>
+                <a:t>65</a:t>
+              </a:r>
+            </a:p>
+          </p:txBody>
+        </p:sp>
+        <p:sp>
+          <p:nvSpPr>
+            <p:cNvPr id="88" name="TextBox 87"/>
+            <p:cNvSpPr txBox="1"/>
+            <p:nvPr/>
+          </p:nvSpPr>
+          <p:spPr>
+            <a:xfrm>
+              <a:off x="3799696" y="4976564"/>
+              <a:ext cx="495649" cy="461665"/>
+            </a:xfrm>
+            <a:prstGeom prst="rect">
+              <a:avLst/>
+            </a:prstGeom>
+            <a:solidFill>
+              <a:srgbClr val="FFFF00"/>
+            </a:solidFill>
+          </p:spPr>
+          <p:txBody>
+            <a:bodyPr wrap="none" rtlCol="0">
+              <a:spAutoFit/>
+            </a:bodyPr>
+            <a:lstStyle>
+              <a:defPPr>
+                <a:defRPr lang="en-US"/>
+              </a:defPPr>
+              <a:lvl1pPr>
+                <a:defRPr sz="2400" b="1"/>
+              </a:lvl1pPr>
+            </a:lstStyle>
+            <a:p>
+              <a:r>
+                <a:rPr lang="en-US" dirty="0"/>
+                <a:t>66</a:t>
+              </a:r>
+            </a:p>
+          </p:txBody>
+        </p:sp>
+        <p:sp>
+          <p:nvSpPr>
+            <p:cNvPr id="89" name="TextBox 88"/>
+            <p:cNvSpPr txBox="1"/>
+            <p:nvPr/>
+          </p:nvSpPr>
+          <p:spPr>
+            <a:xfrm>
+              <a:off x="3204853" y="4128495"/>
+              <a:ext cx="495649" cy="461665"/>
+            </a:xfrm>
+            <a:prstGeom prst="rect">
+              <a:avLst/>
+            </a:prstGeom>
+            <a:solidFill>
+              <a:schemeClr val="bg1"/>
+            </a:solidFill>
+          </p:spPr>
+          <p:txBody>
+            <a:bodyPr wrap="none" rtlCol="0">
+              <a:spAutoFit/>
+            </a:bodyPr>
+            <a:lstStyle>
+              <a:defPPr>
+                <a:defRPr lang="en-US"/>
+              </a:defPPr>
+              <a:lvl1pPr>
+                <a:defRPr sz="2400" b="1"/>
+              </a:lvl1pPr>
+            </a:lstStyle>
+            <a:p>
+              <a:r>
+                <a:rPr lang="en-US" dirty="0"/>
+                <a:t>67</a:t>
+              </a:r>
+            </a:p>
+          </p:txBody>
+        </p:sp>
+        <p:sp>
+          <p:nvSpPr>
+            <p:cNvPr id="90" name="TextBox 89"/>
+            <p:cNvSpPr txBox="1"/>
+            <p:nvPr/>
+          </p:nvSpPr>
+          <p:spPr>
+            <a:xfrm>
+              <a:off x="2132373" y="3168584"/>
+              <a:ext cx="495649" cy="461665"/>
+            </a:xfrm>
+            <a:prstGeom prst="rect">
+              <a:avLst/>
+            </a:prstGeom>
+            <a:solidFill>
+              <a:schemeClr val="bg1"/>
+            </a:solidFill>
+          </p:spPr>
+          <p:txBody>
+            <a:bodyPr wrap="none" rtlCol="0">
+              <a:spAutoFit/>
+            </a:bodyPr>
+            <a:lstStyle>
+              <a:defPPr>
+                <a:defRPr lang="en-US"/>
+              </a:defPPr>
+              <a:lvl1pPr>
+                <a:defRPr sz="2400" b="1"/>
+              </a:lvl1pPr>
+            </a:lstStyle>
+            <a:p>
+              <a:r>
+                <a:rPr lang="en-US" dirty="0"/>
+                <a:t>50</a:t>
+              </a:r>
+            </a:p>
+          </p:txBody>
+        </p:sp>
+        <p:sp>
+          <p:nvSpPr>
+            <p:cNvPr id="91" name="TextBox 90"/>
+            <p:cNvSpPr txBox="1"/>
+            <p:nvPr/>
+          </p:nvSpPr>
+          <p:spPr>
+            <a:xfrm>
+              <a:off x="2297591" y="2229515"/>
+              <a:ext cx="495649" cy="461665"/>
+            </a:xfrm>
+            <a:prstGeom prst="rect">
+              <a:avLst/>
+            </a:prstGeom>
+            <a:solidFill>
+              <a:srgbClr val="FFFF00"/>
+            </a:solidFill>
+          </p:spPr>
+          <p:txBody>
+            <a:bodyPr wrap="none" rtlCol="0">
+              <a:spAutoFit/>
+            </a:bodyPr>
+            <a:lstStyle>
+              <a:defPPr>
+                <a:defRPr lang="en-US"/>
+              </a:defPPr>
+              <a:lvl1pPr>
+                <a:defRPr sz="2400" b="1"/>
+              </a:lvl1pPr>
+            </a:lstStyle>
+            <a:p>
+              <a:r>
+                <a:rPr lang="en-US" dirty="0"/>
+                <a:t>51</a:t>
+              </a:r>
+            </a:p>
+          </p:txBody>
+        </p:sp>
+        <p:sp>
+          <p:nvSpPr>
+            <p:cNvPr id="92" name="TextBox 91"/>
+            <p:cNvSpPr txBox="1"/>
+            <p:nvPr/>
+          </p:nvSpPr>
+          <p:spPr>
+            <a:xfrm>
+              <a:off x="2641719" y="1482489"/>
+              <a:ext cx="495649" cy="461665"/>
+            </a:xfrm>
+            <a:prstGeom prst="rect">
+              <a:avLst/>
+            </a:prstGeom>
+            <a:solidFill>
+              <a:schemeClr val="bg1"/>
+            </a:solidFill>
+          </p:spPr>
+          <p:txBody>
+            <a:bodyPr wrap="none" rtlCol="0">
+              <a:spAutoFit/>
+            </a:bodyPr>
+            <a:lstStyle/>
+            <a:p>
+              <a:r>
+                <a:rPr lang="en-US" sz="2400" b="1" dirty="0"/>
+                <a:t>52</a:t>
+              </a:r>
+            </a:p>
+          </p:txBody>
+        </p:sp>
+        <p:sp>
+          <p:nvSpPr>
+            <p:cNvPr id="93" name="TextBox 92"/>
+            <p:cNvSpPr txBox="1"/>
+            <p:nvPr/>
+          </p:nvSpPr>
+          <p:spPr>
+            <a:xfrm>
+              <a:off x="3217210" y="739289"/>
+              <a:ext cx="495649" cy="461665"/>
+            </a:xfrm>
+            <a:prstGeom prst="rect">
+              <a:avLst/>
+            </a:prstGeom>
+            <a:solidFill>
+              <a:schemeClr val="bg1"/>
+            </a:solidFill>
+          </p:spPr>
+          <p:txBody>
+            <a:bodyPr wrap="none" rtlCol="0">
+              <a:spAutoFit/>
+            </a:bodyPr>
+            <a:lstStyle/>
+            <a:p>
+              <a:r>
+                <a:rPr lang="en-US" sz="2400" b="1" dirty="0"/>
+                <a:t>53</a:t>
+              </a:r>
+            </a:p>
+          </p:txBody>
+        </p:sp>
+        <p:sp>
+          <p:nvSpPr>
+            <p:cNvPr id="94" name="TextBox 93"/>
+            <p:cNvSpPr txBox="1"/>
+            <p:nvPr/>
+          </p:nvSpPr>
+          <p:spPr>
+            <a:xfrm>
+              <a:off x="5755649" y="4943630"/>
+              <a:ext cx="495649" cy="461665"/>
+            </a:xfrm>
+            <a:prstGeom prst="rect">
+              <a:avLst/>
+            </a:prstGeom>
+            <a:solidFill>
+              <a:srgbClr val="FFFF00"/>
+            </a:solidFill>
+          </p:spPr>
+          <p:txBody>
+            <a:bodyPr wrap="none" rtlCol="0">
+              <a:spAutoFit/>
+            </a:bodyPr>
+            <a:lstStyle>
+              <a:defPPr>
+                <a:defRPr lang="en-US"/>
+              </a:defPPr>
+              <a:lvl1pPr>
+                <a:defRPr sz="2400" b="1"/>
+              </a:lvl1pPr>
+            </a:lstStyle>
+            <a:p>
+              <a:r>
+                <a:rPr lang="en-US" dirty="0"/>
+                <a:t>78</a:t>
+              </a:r>
+            </a:p>
+          </p:txBody>
+        </p:sp>
+        <p:sp>
+          <p:nvSpPr>
+            <p:cNvPr id="95" name="TextBox 94"/>
+            <p:cNvSpPr txBox="1"/>
+            <p:nvPr/>
+          </p:nvSpPr>
+          <p:spPr>
+            <a:xfrm>
+              <a:off x="4128353" y="4020133"/>
+              <a:ext cx="495649" cy="461665"/>
+            </a:xfrm>
+            <a:prstGeom prst="rect">
+              <a:avLst/>
+            </a:prstGeom>
+            <a:solidFill>
+              <a:srgbClr val="FFFF00"/>
+            </a:solidFill>
+          </p:spPr>
+          <p:txBody>
+            <a:bodyPr wrap="none" rtlCol="0">
+              <a:spAutoFit/>
+            </a:bodyPr>
+            <a:lstStyle>
+              <a:defPPr>
+                <a:defRPr lang="en-US"/>
+              </a:defPPr>
+              <a:lvl1pPr>
+                <a:defRPr sz="2400" b="1"/>
+              </a:lvl1pPr>
+            </a:lstStyle>
+            <a:p>
+              <a:r>
+                <a:rPr lang="en-US" dirty="0"/>
+                <a:t>80</a:t>
+              </a:r>
+            </a:p>
+          </p:txBody>
+        </p:sp>
+        <p:sp>
+          <p:nvSpPr>
+            <p:cNvPr id="96" name="TextBox 95"/>
+            <p:cNvSpPr txBox="1"/>
+            <p:nvPr/>
+          </p:nvSpPr>
+          <p:spPr>
+            <a:xfrm>
+              <a:off x="4818927" y="4712797"/>
+              <a:ext cx="495649" cy="461665"/>
+            </a:xfrm>
+            <a:prstGeom prst="rect">
+              <a:avLst/>
+            </a:prstGeom>
+            <a:solidFill>
+              <a:schemeClr val="bg1"/>
+            </a:solidFill>
+          </p:spPr>
+          <p:txBody>
+            <a:bodyPr wrap="none" rtlCol="0">
+              <a:spAutoFit/>
+            </a:bodyPr>
+            <a:lstStyle/>
+            <a:p>
+              <a:r>
+                <a:rPr lang="en-US" sz="2400" b="1" dirty="0"/>
+                <a:t>79</a:t>
+              </a:r>
+            </a:p>
+          </p:txBody>
+        </p:sp>
+        <p:sp>
+          <p:nvSpPr>
+            <p:cNvPr id="97" name="TextBox 96"/>
+            <p:cNvSpPr txBox="1"/>
+            <p:nvPr/>
+          </p:nvSpPr>
+          <p:spPr>
+            <a:xfrm>
+              <a:off x="5755649" y="4125070"/>
+              <a:ext cx="495649" cy="461665"/>
+            </a:xfrm>
+            <a:prstGeom prst="rect">
+              <a:avLst/>
+            </a:prstGeom>
+            <a:solidFill>
+              <a:schemeClr val="bg1"/>
+            </a:solidFill>
+          </p:spPr>
+          <p:txBody>
+            <a:bodyPr wrap="none" rtlCol="0">
+              <a:spAutoFit/>
+            </a:bodyPr>
+            <a:lstStyle/>
+            <a:p>
+              <a:r>
+                <a:rPr lang="en-US" sz="2400" b="1" dirty="0"/>
+                <a:t>88</a:t>
+              </a:r>
+            </a:p>
+          </p:txBody>
+        </p:sp>
+        <p:sp>
+          <p:nvSpPr>
+            <p:cNvPr id="98" name="TextBox 97"/>
+            <p:cNvSpPr txBox="1"/>
+            <p:nvPr/>
+          </p:nvSpPr>
+          <p:spPr>
+            <a:xfrm>
+              <a:off x="5031934" y="3847136"/>
+              <a:ext cx="495649" cy="461665"/>
+            </a:xfrm>
+            <a:prstGeom prst="rect">
+              <a:avLst/>
+            </a:prstGeom>
+            <a:solidFill>
+              <a:srgbClr val="FFFF00"/>
+            </a:solidFill>
+          </p:spPr>
+          <p:txBody>
+            <a:bodyPr wrap="none" rtlCol="0">
+              <a:spAutoFit/>
+            </a:bodyPr>
+            <a:lstStyle>
+              <a:defPPr>
+                <a:defRPr lang="en-US"/>
+              </a:defPPr>
+              <a:lvl1pPr>
+                <a:defRPr sz="2400" b="1"/>
+              </a:lvl1pPr>
+            </a:lstStyle>
+            <a:p>
+              <a:r>
+                <a:rPr lang="en-US" dirty="0"/>
+                <a:t>89</a:t>
+              </a:r>
+            </a:p>
+          </p:txBody>
+        </p:sp>
+      </p:grpSp>
+      <p:sp>
+        <p:nvSpPr>
+          <p:cNvPr id="101" name="TextBox 100"/>
+          <p:cNvSpPr txBox="1"/>
+          <p:nvPr/>
+        </p:nvSpPr>
+        <p:spPr>
+          <a:xfrm>
+            <a:off x="10919685" y="3075056"/>
+            <a:ext cx="1273697" cy="707886"/>
+          </a:xfrm>
+          <a:prstGeom prst="rect">
+            <a:avLst/>
+          </a:prstGeom>
+          <a:noFill/>
+        </p:spPr>
+        <p:txBody>
+          <a:bodyPr wrap="square" rtlCol="0">
+            <a:spAutoFit/>
+          </a:bodyPr>
+          <a:lstStyle/>
+          <a:p>
+            <a:pPr algn="ctr"/>
+            <a:r>
+              <a:rPr lang="en-US" sz="4000" dirty="0"/>
+              <a:t>Phys</a:t>
+            </a:r>
+          </a:p>
+        </p:txBody>
+      </p:sp>
+    </p:spTree>
+    <p:extLst>
+      <p:ext uri="{BB962C8B-B14F-4D97-AF65-F5344CB8AC3E}">
+        <p14:creationId xmlns:p14="http://schemas.microsoft.com/office/powerpoint/2010/main" val="2984915652"/>
+      </p:ext>
+    </p:extLst>
+  </p:cSld>
+  <p:clrMapOvr>
+    <a:masterClrMapping/>
+  </p:clrMapOvr>
+</p:sld>
+</file>
+
 <file path=ppt/slides/slide2.xml><?xml version="1.0" encoding="utf-8"?>
 <p:sld xmlns:a="http://schemas.openxmlformats.org/drawingml/2006/main" xmlns:r="http://schemas.openxmlformats.org/officeDocument/2006/relationships" xmlns:p="http://schemas.openxmlformats.org/presentationml/2006/main">
   <p:cSld>
